--- a/slides/module1.pptx
+++ b/slides/module1.pptx
@@ -5,17 +5,30 @@
     <p:sldMasterId id="2147483660" r:id="rId4"/>
   </p:sldMasterIdLst>
   <p:notesMasterIdLst>
-    <p:notesMasterId r:id="rId10"/>
+    <p:notesMasterId r:id="rId23"/>
   </p:notesMasterIdLst>
   <p:handoutMasterIdLst>
-    <p:handoutMasterId r:id="rId11"/>
+    <p:handoutMasterId r:id="rId24"/>
   </p:handoutMasterIdLst>
   <p:sldIdLst>
-    <p:sldId id="277" r:id="rId5"/>
-    <p:sldId id="278" r:id="rId6"/>
-    <p:sldId id="282" r:id="rId7"/>
-    <p:sldId id="284" r:id="rId8"/>
-    <p:sldId id="269" r:id="rId9"/>
+    <p:sldId id="271" r:id="rId5"/>
+    <p:sldId id="272" r:id="rId6"/>
+    <p:sldId id="288" r:id="rId7"/>
+    <p:sldId id="274" r:id="rId8"/>
+    <p:sldId id="275" r:id="rId9"/>
+    <p:sldId id="276" r:id="rId10"/>
+    <p:sldId id="277" r:id="rId11"/>
+    <p:sldId id="278" r:id="rId12"/>
+    <p:sldId id="282" r:id="rId13"/>
+    <p:sldId id="284" r:id="rId14"/>
+    <p:sldId id="289" r:id="rId15"/>
+    <p:sldId id="285" r:id="rId16"/>
+    <p:sldId id="290" r:id="rId17"/>
+    <p:sldId id="286" r:id="rId18"/>
+    <p:sldId id="291" r:id="rId19"/>
+    <p:sldId id="287" r:id="rId20"/>
+    <p:sldId id="292" r:id="rId21"/>
+    <p:sldId id="269" r:id="rId22"/>
   </p:sldIdLst>
   <p:sldSz cx="12192000" cy="6858000"/>
   <p:notesSz cx="6858000" cy="9144000"/>
@@ -207,7 +220,7 @@
           <a:p>
             <a:fld id="{312E7B4A-039C-48A2-9B2C-AF16AA3873D8}" type="datetimeFigureOut">
               <a:rPr lang="en-US" smtClean="0"/>
-              <a:t>2/13/15</a:t>
+              <a:t>2/16/15</a:t>
             </a:fld>
             <a:endParaRPr lang="en-US"/>
           </a:p>
@@ -372,7 +385,7 @@
           <a:p>
             <a:fld id="{DA005A0C-54D9-45AA-87D4-C551D08DFCE1}" type="datetimeFigureOut">
               <a:rPr lang="en-US" smtClean="0"/>
-              <a:t>2/13/15</a:t>
+              <a:t>2/16/15</a:t>
             </a:fld>
             <a:endParaRPr lang="en-US"/>
           </a:p>
@@ -720,7 +733,7 @@
     </p:spTree>
     <p:extLst>
       <p:ext uri="{BB962C8B-B14F-4D97-AF65-F5344CB8AC3E}">
-        <p14:creationId xmlns:p14="http://schemas.microsoft.com/office/powerpoint/2010/main" val="1088711496"/>
+        <p14:creationId xmlns:p14="http://schemas.microsoft.com/office/powerpoint/2010/main" val="180611100"/>
       </p:ext>
     </p:extLst>
   </p:cSld>
@@ -771,17 +784,10 @@
         </p:nvSpPr>
         <p:spPr/>
         <p:txBody>
-          <a:bodyPr>
-            <a:noAutofit/>
-          </a:bodyPr>
+          <a:bodyPr/>
           <a:lstStyle/>
           <a:p>
-            <a:endParaRPr lang="en-GB" dirty="0">
-              <a:solidFill>
-                <a:schemeClr val="tx2"/>
-              </a:solidFill>
-              <a:latin typeface="Segoe" pitchFamily="34" charset="0"/>
-            </a:endParaRPr>
+            <a:endParaRPr lang="en-US" dirty="0"/>
           </a:p>
         </p:txBody>
       </p:sp>
@@ -812,7 +818,7 @@
     </p:spTree>
     <p:extLst>
       <p:ext uri="{BB962C8B-B14F-4D97-AF65-F5344CB8AC3E}">
-        <p14:creationId xmlns:p14="http://schemas.microsoft.com/office/powerpoint/2010/main" val="1542757562"/>
+        <p14:creationId xmlns:p14="http://schemas.microsoft.com/office/powerpoint/2010/main" val="2300594579"/>
       </p:ext>
     </p:extLst>
   </p:cSld>
@@ -866,7 +872,7 @@
           <a:bodyPr/>
           <a:lstStyle/>
           <a:p>
-            <a:endParaRPr lang="en-US"/>
+            <a:endParaRPr lang="en-US" dirty="0"/>
           </a:p>
         </p:txBody>
       </p:sp>
@@ -885,9 +891,537 @@
           <a:bodyPr/>
           <a:lstStyle/>
           <a:p>
+            <a:fld id="{13F0F35F-DD44-4607-AEC1-49D7A4BC4066}" type="slidenum">
+              <a:rPr lang="en-US" smtClean="0"/>
+              <a:pPr/>
+              <a:t>3</a:t>
+            </a:fld>
+            <a:endParaRPr lang="en-US" dirty="0"/>
+          </a:p>
+        </p:txBody>
+      </p:sp>
+    </p:spTree>
+    <p:extLst>
+      <p:ext uri="{BB962C8B-B14F-4D97-AF65-F5344CB8AC3E}">
+        <p14:creationId xmlns:p14="http://schemas.microsoft.com/office/powerpoint/2010/main" val="2300594579"/>
+      </p:ext>
+    </p:extLst>
+  </p:cSld>
+  <p:clrMapOvr>
+    <a:masterClrMapping/>
+  </p:clrMapOvr>
+</p:notes>
+</file>
+
+<file path=ppt/notesSlides/notesSlide4.xml><?xml version="1.0" encoding="utf-8"?>
+<p:notes xmlns:a="http://schemas.openxmlformats.org/drawingml/2006/main" xmlns:r="http://schemas.openxmlformats.org/officeDocument/2006/relationships" xmlns:p="http://schemas.openxmlformats.org/presentationml/2006/main">
+  <p:cSld>
+    <p:spTree>
+      <p:nvGrpSpPr>
+        <p:cNvPr id="1" name=""/>
+        <p:cNvGrpSpPr/>
+        <p:nvPr/>
+      </p:nvGrpSpPr>
+      <p:grpSpPr>
+        <a:xfrm>
+          <a:off x="0" y="0"/>
+          <a:ext cx="0" cy="0"/>
+          <a:chOff x="0" y="0"/>
+          <a:chExt cx="0" cy="0"/>
+        </a:xfrm>
+      </p:grpSpPr>
+      <p:sp>
+        <p:nvSpPr>
+          <p:cNvPr id="2" name="Slide Image Placeholder 1"/>
+          <p:cNvSpPr>
+            <a:spLocks noGrp="1" noRot="1" noChangeAspect="1"/>
+          </p:cNvSpPr>
+          <p:nvPr>
+            <p:ph type="sldImg"/>
+          </p:nvPr>
+        </p:nvSpPr>
+        <p:spPr/>
+      </p:sp>
+      <p:sp>
+        <p:nvSpPr>
+          <p:cNvPr id="3" name="Notes Placeholder 2"/>
+          <p:cNvSpPr>
+            <a:spLocks noGrp="1"/>
+          </p:cNvSpPr>
+          <p:nvPr>
+            <p:ph type="body" idx="1"/>
+          </p:nvPr>
+        </p:nvSpPr>
+        <p:spPr/>
+        <p:txBody>
+          <a:bodyPr/>
+          <a:lstStyle/>
+          <a:p>
+            <a:endParaRPr lang="en-US" dirty="0"/>
+          </a:p>
+        </p:txBody>
+      </p:sp>
+      <p:sp>
+        <p:nvSpPr>
+          <p:cNvPr id="4" name="Slide Number Placeholder 3"/>
+          <p:cNvSpPr>
+            <a:spLocks noGrp="1"/>
+          </p:cNvSpPr>
+          <p:nvPr>
+            <p:ph type="sldNum" sz="quarter" idx="10"/>
+          </p:nvPr>
+        </p:nvSpPr>
+        <p:spPr/>
+        <p:txBody>
+          <a:bodyPr/>
+          <a:lstStyle/>
+          <a:p>
+            <a:fld id="{13F0F35F-DD44-4607-AEC1-49D7A4BC4066}" type="slidenum">
+              <a:rPr lang="en-US" smtClean="0"/>
+              <a:pPr/>
+              <a:t>4</a:t>
+            </a:fld>
+            <a:endParaRPr lang="en-US" dirty="0"/>
+          </a:p>
+        </p:txBody>
+      </p:sp>
+    </p:spTree>
+    <p:extLst>
+      <p:ext uri="{BB962C8B-B14F-4D97-AF65-F5344CB8AC3E}">
+        <p14:creationId xmlns:p14="http://schemas.microsoft.com/office/powerpoint/2010/main" val="2595756465"/>
+      </p:ext>
+    </p:extLst>
+  </p:cSld>
+  <p:clrMapOvr>
+    <a:masterClrMapping/>
+  </p:clrMapOvr>
+</p:notes>
+</file>
+
+<file path=ppt/notesSlides/notesSlide5.xml><?xml version="1.0" encoding="utf-8"?>
+<p:notes xmlns:a="http://schemas.openxmlformats.org/drawingml/2006/main" xmlns:r="http://schemas.openxmlformats.org/officeDocument/2006/relationships" xmlns:p="http://schemas.openxmlformats.org/presentationml/2006/main">
+  <p:cSld>
+    <p:spTree>
+      <p:nvGrpSpPr>
+        <p:cNvPr id="1" name=""/>
+        <p:cNvGrpSpPr/>
+        <p:nvPr/>
+      </p:nvGrpSpPr>
+      <p:grpSpPr>
+        <a:xfrm>
+          <a:off x="0" y="0"/>
+          <a:ext cx="0" cy="0"/>
+          <a:chOff x="0" y="0"/>
+          <a:chExt cx="0" cy="0"/>
+        </a:xfrm>
+      </p:grpSpPr>
+      <p:sp>
+        <p:nvSpPr>
+          <p:cNvPr id="2" name="Slide Image Placeholder 1"/>
+          <p:cNvSpPr>
+            <a:spLocks noGrp="1" noRot="1" noChangeAspect="1"/>
+          </p:cNvSpPr>
+          <p:nvPr>
+            <p:ph type="sldImg"/>
+          </p:nvPr>
+        </p:nvSpPr>
+        <p:spPr>
+          <a:xfrm>
+            <a:off x="381000" y="685800"/>
+            <a:ext cx="6096000" cy="3429000"/>
+          </a:xfrm>
+        </p:spPr>
+      </p:sp>
+      <p:sp>
+        <p:nvSpPr>
+          <p:cNvPr id="3" name="Notes Placeholder 2"/>
+          <p:cNvSpPr>
+            <a:spLocks noGrp="1"/>
+          </p:cNvSpPr>
+          <p:nvPr>
+            <p:ph type="body" idx="1"/>
+          </p:nvPr>
+        </p:nvSpPr>
+        <p:spPr/>
+        <p:txBody>
+          <a:bodyPr>
+            <a:normAutofit/>
+          </a:bodyPr>
+          <a:lstStyle/>
+          <a:p>
+            <a:endParaRPr lang="en-CA" b="0" dirty="0" smtClean="0"/>
+          </a:p>
+        </p:txBody>
+      </p:sp>
+      <p:sp>
+        <p:nvSpPr>
+          <p:cNvPr id="4" name="Slide Number Placeholder 3"/>
+          <p:cNvSpPr>
+            <a:spLocks noGrp="1"/>
+          </p:cNvSpPr>
+          <p:nvPr>
+            <p:ph type="sldNum" sz="quarter" idx="10"/>
+          </p:nvPr>
+        </p:nvSpPr>
+        <p:spPr/>
+        <p:txBody>
+          <a:bodyPr/>
+          <a:lstStyle/>
+          <a:p>
+            <a:fld id="{13F0F35F-DD44-4607-AEC1-49D7A4BC4066}" type="slidenum">
+              <a:rPr lang="en-US" smtClean="0"/>
+              <a:pPr/>
+              <a:t>5</a:t>
+            </a:fld>
+            <a:endParaRPr lang="en-US" dirty="0"/>
+          </a:p>
+        </p:txBody>
+      </p:sp>
+    </p:spTree>
+    <p:extLst>
+      <p:ext uri="{BB962C8B-B14F-4D97-AF65-F5344CB8AC3E}">
+        <p14:creationId xmlns:p14="http://schemas.microsoft.com/office/powerpoint/2010/main" val="2911304509"/>
+      </p:ext>
+    </p:extLst>
+  </p:cSld>
+  <p:clrMapOvr>
+    <a:masterClrMapping/>
+  </p:clrMapOvr>
+</p:notes>
+</file>
+
+<file path=ppt/notesSlides/notesSlide6.xml><?xml version="1.0" encoding="utf-8"?>
+<p:notes xmlns:a="http://schemas.openxmlformats.org/drawingml/2006/main" xmlns:r="http://schemas.openxmlformats.org/officeDocument/2006/relationships" xmlns:p="http://schemas.openxmlformats.org/presentationml/2006/main">
+  <p:cSld>
+    <p:spTree>
+      <p:nvGrpSpPr>
+        <p:cNvPr id="1" name=""/>
+        <p:cNvGrpSpPr/>
+        <p:nvPr/>
+      </p:nvGrpSpPr>
+      <p:grpSpPr>
+        <a:xfrm>
+          <a:off x="0" y="0"/>
+          <a:ext cx="0" cy="0"/>
+          <a:chOff x="0" y="0"/>
+          <a:chExt cx="0" cy="0"/>
+        </a:xfrm>
+      </p:grpSpPr>
+      <p:sp>
+        <p:nvSpPr>
+          <p:cNvPr id="2" name="Slide Image Placeholder 1"/>
+          <p:cNvSpPr>
+            <a:spLocks noGrp="1" noRot="1" noChangeAspect="1"/>
+          </p:cNvSpPr>
+          <p:nvPr>
+            <p:ph type="sldImg"/>
+          </p:nvPr>
+        </p:nvSpPr>
+        <p:spPr/>
+      </p:sp>
+      <p:sp>
+        <p:nvSpPr>
+          <p:cNvPr id="3" name="Notes Placeholder 2"/>
+          <p:cNvSpPr>
+            <a:spLocks noGrp="1"/>
+          </p:cNvSpPr>
+          <p:nvPr>
+            <p:ph type="body" idx="1"/>
+          </p:nvPr>
+        </p:nvSpPr>
+        <p:spPr/>
+        <p:txBody>
+          <a:bodyPr/>
+          <a:lstStyle/>
+          <a:p>
+            <a:endParaRPr lang="en-US"/>
+          </a:p>
+        </p:txBody>
+      </p:sp>
+      <p:sp>
+        <p:nvSpPr>
+          <p:cNvPr id="4" name="Slide Number Placeholder 3"/>
+          <p:cNvSpPr>
+            <a:spLocks noGrp="1"/>
+          </p:cNvSpPr>
+          <p:nvPr>
+            <p:ph type="sldNum" sz="quarter" idx="10"/>
+          </p:nvPr>
+        </p:nvSpPr>
+        <p:spPr/>
+        <p:txBody>
+          <a:bodyPr/>
+          <a:lstStyle/>
+          <a:p>
             <a:fld id="{4CFD207A-07DF-40AD-A916-9872E089CE7A}" type="slidenum">
               <a:rPr lang="en-US" smtClean="0"/>
-              <a:t>3</a:t>
+              <a:t>6</a:t>
+            </a:fld>
+            <a:endParaRPr lang="en-US"/>
+          </a:p>
+        </p:txBody>
+      </p:sp>
+    </p:spTree>
+    <p:extLst>
+      <p:ext uri="{BB962C8B-B14F-4D97-AF65-F5344CB8AC3E}">
+        <p14:creationId xmlns:p14="http://schemas.microsoft.com/office/powerpoint/2010/main" val="3925211110"/>
+      </p:ext>
+    </p:extLst>
+  </p:cSld>
+  <p:clrMapOvr>
+    <a:masterClrMapping/>
+  </p:clrMapOvr>
+</p:notes>
+</file>
+
+<file path=ppt/notesSlides/notesSlide7.xml><?xml version="1.0" encoding="utf-8"?>
+<p:notes xmlns:a="http://schemas.openxmlformats.org/drawingml/2006/main" xmlns:r="http://schemas.openxmlformats.org/officeDocument/2006/relationships" xmlns:p="http://schemas.openxmlformats.org/presentationml/2006/main">
+  <p:cSld>
+    <p:spTree>
+      <p:nvGrpSpPr>
+        <p:cNvPr id="1" name=""/>
+        <p:cNvGrpSpPr/>
+        <p:nvPr/>
+      </p:nvGrpSpPr>
+      <p:grpSpPr>
+        <a:xfrm>
+          <a:off x="0" y="0"/>
+          <a:ext cx="0" cy="0"/>
+          <a:chOff x="0" y="0"/>
+          <a:chExt cx="0" cy="0"/>
+        </a:xfrm>
+      </p:grpSpPr>
+      <p:sp>
+        <p:nvSpPr>
+          <p:cNvPr id="2" name="Slide Image Placeholder 1"/>
+          <p:cNvSpPr>
+            <a:spLocks noGrp="1" noRot="1" noChangeAspect="1"/>
+          </p:cNvSpPr>
+          <p:nvPr>
+            <p:ph type="sldImg"/>
+          </p:nvPr>
+        </p:nvSpPr>
+        <p:spPr>
+          <a:xfrm>
+            <a:off x="381000" y="685800"/>
+            <a:ext cx="6096000" cy="3429000"/>
+          </a:xfrm>
+        </p:spPr>
+      </p:sp>
+      <p:sp>
+        <p:nvSpPr>
+          <p:cNvPr id="4" name="Slide Number Placeholder 3"/>
+          <p:cNvSpPr>
+            <a:spLocks noGrp="1"/>
+          </p:cNvSpPr>
+          <p:nvPr>
+            <p:ph type="sldNum" sz="quarter" idx="10"/>
+          </p:nvPr>
+        </p:nvSpPr>
+        <p:spPr/>
+        <p:txBody>
+          <a:bodyPr/>
+          <a:lstStyle/>
+          <a:p>
+            <a:fld id="{13F0F35F-DD44-4607-AEC1-49D7A4BC4066}" type="slidenum">
+              <a:rPr lang="en-US" smtClean="0"/>
+              <a:pPr/>
+              <a:t>7</a:t>
+            </a:fld>
+            <a:endParaRPr lang="en-US" dirty="0"/>
+          </a:p>
+        </p:txBody>
+      </p:sp>
+      <p:sp>
+        <p:nvSpPr>
+          <p:cNvPr id="3" name="Notes Placeholder 2"/>
+          <p:cNvSpPr>
+            <a:spLocks noGrp="1"/>
+          </p:cNvSpPr>
+          <p:nvPr>
+            <p:ph type="body" idx="1"/>
+          </p:nvPr>
+        </p:nvSpPr>
+        <p:spPr/>
+        <p:txBody>
+          <a:bodyPr/>
+          <a:lstStyle/>
+          <a:p>
+            <a:endParaRPr lang="en-US" dirty="0"/>
+          </a:p>
+        </p:txBody>
+      </p:sp>
+    </p:spTree>
+    <p:extLst>
+      <p:ext uri="{BB962C8B-B14F-4D97-AF65-F5344CB8AC3E}">
+        <p14:creationId xmlns:p14="http://schemas.microsoft.com/office/powerpoint/2010/main" val="1088711496"/>
+      </p:ext>
+    </p:extLst>
+  </p:cSld>
+  <p:clrMapOvr>
+    <a:masterClrMapping/>
+  </p:clrMapOvr>
+</p:notes>
+</file>
+
+<file path=ppt/notesSlides/notesSlide8.xml><?xml version="1.0" encoding="utf-8"?>
+<p:notes xmlns:a="http://schemas.openxmlformats.org/drawingml/2006/main" xmlns:r="http://schemas.openxmlformats.org/officeDocument/2006/relationships" xmlns:p="http://schemas.openxmlformats.org/presentationml/2006/main">
+  <p:cSld>
+    <p:spTree>
+      <p:nvGrpSpPr>
+        <p:cNvPr id="1" name=""/>
+        <p:cNvGrpSpPr/>
+        <p:nvPr/>
+      </p:nvGrpSpPr>
+      <p:grpSpPr>
+        <a:xfrm>
+          <a:off x="0" y="0"/>
+          <a:ext cx="0" cy="0"/>
+          <a:chOff x="0" y="0"/>
+          <a:chExt cx="0" cy="0"/>
+        </a:xfrm>
+      </p:grpSpPr>
+      <p:sp>
+        <p:nvSpPr>
+          <p:cNvPr id="2" name="Slide Image Placeholder 1"/>
+          <p:cNvSpPr>
+            <a:spLocks noGrp="1" noRot="1" noChangeAspect="1"/>
+          </p:cNvSpPr>
+          <p:nvPr>
+            <p:ph type="sldImg"/>
+          </p:nvPr>
+        </p:nvSpPr>
+        <p:spPr/>
+      </p:sp>
+      <p:sp>
+        <p:nvSpPr>
+          <p:cNvPr id="3" name="Notes Placeholder 2"/>
+          <p:cNvSpPr>
+            <a:spLocks noGrp="1"/>
+          </p:cNvSpPr>
+          <p:nvPr>
+            <p:ph type="body" idx="1"/>
+          </p:nvPr>
+        </p:nvSpPr>
+        <p:spPr/>
+        <p:txBody>
+          <a:bodyPr>
+            <a:noAutofit/>
+          </a:bodyPr>
+          <a:lstStyle/>
+          <a:p>
+            <a:endParaRPr lang="en-GB" dirty="0">
+              <a:solidFill>
+                <a:schemeClr val="tx2"/>
+              </a:solidFill>
+              <a:latin typeface="Segoe" pitchFamily="34" charset="0"/>
+            </a:endParaRPr>
+          </a:p>
+        </p:txBody>
+      </p:sp>
+      <p:sp>
+        <p:nvSpPr>
+          <p:cNvPr id="4" name="Slide Number Placeholder 3"/>
+          <p:cNvSpPr>
+            <a:spLocks noGrp="1"/>
+          </p:cNvSpPr>
+          <p:nvPr>
+            <p:ph type="sldNum" sz="quarter" idx="10"/>
+          </p:nvPr>
+        </p:nvSpPr>
+        <p:spPr/>
+        <p:txBody>
+          <a:bodyPr/>
+          <a:lstStyle/>
+          <a:p>
+            <a:fld id="{13F0F35F-DD44-4607-AEC1-49D7A4BC4066}" type="slidenum">
+              <a:rPr lang="en-US" smtClean="0"/>
+              <a:pPr/>
+              <a:t>8</a:t>
+            </a:fld>
+            <a:endParaRPr lang="en-US" dirty="0"/>
+          </a:p>
+        </p:txBody>
+      </p:sp>
+    </p:spTree>
+    <p:extLst>
+      <p:ext uri="{BB962C8B-B14F-4D97-AF65-F5344CB8AC3E}">
+        <p14:creationId xmlns:p14="http://schemas.microsoft.com/office/powerpoint/2010/main" val="1542757562"/>
+      </p:ext>
+    </p:extLst>
+  </p:cSld>
+  <p:clrMapOvr>
+    <a:masterClrMapping/>
+  </p:clrMapOvr>
+</p:notes>
+</file>
+
+<file path=ppt/notesSlides/notesSlide9.xml><?xml version="1.0" encoding="utf-8"?>
+<p:notes xmlns:a="http://schemas.openxmlformats.org/drawingml/2006/main" xmlns:r="http://schemas.openxmlformats.org/officeDocument/2006/relationships" xmlns:p="http://schemas.openxmlformats.org/presentationml/2006/main">
+  <p:cSld>
+    <p:spTree>
+      <p:nvGrpSpPr>
+        <p:cNvPr id="1" name=""/>
+        <p:cNvGrpSpPr/>
+        <p:nvPr/>
+      </p:nvGrpSpPr>
+      <p:grpSpPr>
+        <a:xfrm>
+          <a:off x="0" y="0"/>
+          <a:ext cx="0" cy="0"/>
+          <a:chOff x="0" y="0"/>
+          <a:chExt cx="0" cy="0"/>
+        </a:xfrm>
+      </p:grpSpPr>
+      <p:sp>
+        <p:nvSpPr>
+          <p:cNvPr id="2" name="Slide Image Placeholder 1"/>
+          <p:cNvSpPr>
+            <a:spLocks noGrp="1" noRot="1" noChangeAspect="1"/>
+          </p:cNvSpPr>
+          <p:nvPr>
+            <p:ph type="sldImg"/>
+          </p:nvPr>
+        </p:nvSpPr>
+        <p:spPr/>
+      </p:sp>
+      <p:sp>
+        <p:nvSpPr>
+          <p:cNvPr id="3" name="Notes Placeholder 2"/>
+          <p:cNvSpPr>
+            <a:spLocks noGrp="1"/>
+          </p:cNvSpPr>
+          <p:nvPr>
+            <p:ph type="body" idx="1"/>
+          </p:nvPr>
+        </p:nvSpPr>
+        <p:spPr/>
+        <p:txBody>
+          <a:bodyPr/>
+          <a:lstStyle/>
+          <a:p>
+            <a:endParaRPr lang="en-US"/>
+          </a:p>
+        </p:txBody>
+      </p:sp>
+      <p:sp>
+        <p:nvSpPr>
+          <p:cNvPr id="4" name="Slide Number Placeholder 3"/>
+          <p:cNvSpPr>
+            <a:spLocks noGrp="1"/>
+          </p:cNvSpPr>
+          <p:nvPr>
+            <p:ph type="sldNum" sz="quarter" idx="10"/>
+          </p:nvPr>
+        </p:nvSpPr>
+        <p:spPr/>
+        <p:txBody>
+          <a:bodyPr/>
+          <a:lstStyle/>
+          <a:p>
+            <a:fld id="{4CFD207A-07DF-40AD-A916-9872E089CE7A}" type="slidenum">
+              <a:rPr lang="en-US" smtClean="0"/>
+              <a:t>9</a:t>
             </a:fld>
             <a:endParaRPr lang="en-US"/>
           </a:p>
@@ -3655,80 +4189,86 @@
       </p:grpSpPr>
       <p:sp>
         <p:nvSpPr>
-          <p:cNvPr id="5" name="Text Placeholder 4"/>
-          <p:cNvSpPr>
-            <a:spLocks noGrp="1"/>
-          </p:cNvSpPr>
-          <p:nvPr>
-            <p:ph type="body" sz="quarter" idx="10"/>
+          <p:cNvPr id="4" name="Subtitle 3"/>
+          <p:cNvSpPr>
+            <a:spLocks noGrp="1"/>
+          </p:cNvSpPr>
+          <p:nvPr>
+            <p:ph type="subTitle" idx="1"/>
+          </p:nvPr>
+        </p:nvSpPr>
+        <p:spPr/>
+        <p:txBody>
+          <a:bodyPr/>
+          <a:lstStyle/>
+          <a:p>
+            <a:r>
+              <a:rPr lang="en-US" dirty="0" smtClean="0"/>
+              <a:t>Helen Zeng | Startup Developer Evangelist</a:t>
+            </a:r>
+          </a:p>
+          <a:p>
+            <a:r>
+              <a:rPr lang="en-US" dirty="0" smtClean="0"/>
+              <a:t>Steven </a:t>
+            </a:r>
+            <a:r>
+              <a:rPr lang="en-US" dirty="0" err="1" smtClean="0"/>
+              <a:t>Edouard</a:t>
+            </a:r>
+            <a:r>
+              <a:rPr lang="en-US" dirty="0" smtClean="0"/>
+              <a:t> | Startup Developer Evangelist</a:t>
+            </a:r>
+            <a:endParaRPr lang="en-US" dirty="0"/>
+          </a:p>
+        </p:txBody>
+      </p:sp>
+      <p:sp>
+        <p:nvSpPr>
+          <p:cNvPr id="2" name="Title 1"/>
+          <p:cNvSpPr>
+            <a:spLocks noGrp="1"/>
+          </p:cNvSpPr>
+          <p:nvPr>
+            <p:ph type="ctrTitle"/>
           </p:nvPr>
         </p:nvSpPr>
         <p:spPr>
           <a:solidFill>
             <a:srgbClr val="007233"/>
           </a:solidFill>
-          <a:ln>
-            <a:noFill/>
-          </a:ln>
         </p:spPr>
         <p:txBody>
           <a:bodyPr/>
           <a:lstStyle/>
           <a:p>
-            <a:pPr marL="914400" indent="-914400"/>
-            <a:r>
-              <a:rPr lang="en-US" smtClean="0"/>
-              <a:t>02 | </a:t>
-            </a:r>
-            <a:r>
-              <a:rPr lang="en-US" dirty="0" err="1" smtClean="0"/>
-              <a:t>AngularJS</a:t>
-            </a:r>
-            <a:endParaRPr lang="en-US" dirty="0"/>
-          </a:p>
-        </p:txBody>
-      </p:sp>
-      <p:sp>
-        <p:nvSpPr>
-          <p:cNvPr id="4" name="Subtitle 3"/>
-          <p:cNvSpPr>
-            <a:spLocks noGrp="1"/>
-          </p:cNvSpPr>
-          <p:nvPr>
-            <p:ph type="subTitle" idx="1"/>
-          </p:nvPr>
-        </p:nvSpPr>
-        <p:spPr/>
-        <p:txBody>
-          <a:bodyPr/>
-          <a:lstStyle/>
-          <a:p>
-            <a:r>
-              <a:rPr lang="en-US" dirty="0"/>
-              <a:t>Helen Zeng | Startup Developer Evangelist</a:t>
-            </a:r>
-          </a:p>
-          <a:p>
-            <a:r>
-              <a:rPr lang="en-US" dirty="0"/>
-              <a:t>Steven </a:t>
-            </a:r>
-            <a:r>
-              <a:rPr lang="en-US" dirty="0" err="1"/>
-              <a:t>Edouard</a:t>
-            </a:r>
-            <a:r>
-              <a:rPr lang="en-US" dirty="0"/>
-              <a:t> | Startup Developer Evangelist</a:t>
-            </a:r>
-            <a:endParaRPr lang="en-US" dirty="0"/>
+            <a:r>
+              <a:rPr lang="en-US" sz="4000" dirty="0" smtClean="0"/>
+              <a:t>Do you know what I MEAN?</a:t>
+            </a:r>
+            <a:br>
+              <a:rPr lang="en-US" sz="4000" dirty="0" smtClean="0"/>
+            </a:br>
+            <a:r>
+              <a:rPr lang="en-US" sz="4000" dirty="0" smtClean="0"/>
+              <a:t/>
+            </a:r>
+            <a:br>
+              <a:rPr lang="en-US" sz="4000" dirty="0" smtClean="0"/>
+            </a:br>
+            <a:r>
+              <a:rPr lang="en-US" sz="3200" dirty="0" smtClean="0"/>
+              <a:t>Building full stack web apps with Mongo, Express, Angular, and Node</a:t>
+            </a:r>
+            <a:endParaRPr lang="en-US" sz="3200" dirty="0"/>
           </a:p>
         </p:txBody>
       </p:sp>
     </p:spTree>
     <p:extLst>
       <p:ext uri="{BB962C8B-B14F-4D97-AF65-F5344CB8AC3E}">
-        <p14:creationId xmlns:p14="http://schemas.microsoft.com/office/powerpoint/2010/main" val="897692544"/>
+        <p14:creationId xmlns:p14="http://schemas.microsoft.com/office/powerpoint/2010/main" val="1665733023"/>
       </p:ext>
     </p:extLst>
   </p:cSld>
@@ -3745,7 +4285,7 @@
 </p:sld>
 </file>
 
-<file path=ppt/slides/slide2.xml><?xml version="1.0" encoding="utf-8"?>
+<file path=ppt/slides/slide10.xml><?xml version="1.0" encoding="utf-8"?>
 <p:sld xmlns:a="http://schemas.openxmlformats.org/drawingml/2006/main" xmlns:r="http://schemas.openxmlformats.org/officeDocument/2006/relationships" xmlns:p="http://schemas.openxmlformats.org/presentationml/2006/main">
   <p:cSld>
     <p:spTree>
@@ -3764,58 +4304,6 @@
       </p:grpSpPr>
       <p:sp>
         <p:nvSpPr>
-          <p:cNvPr id="7" name="Content Placeholder 6"/>
-          <p:cNvSpPr>
-            <a:spLocks noGrp="1"/>
-          </p:cNvSpPr>
-          <p:nvPr>
-            <p:ph sz="quarter" idx="10"/>
-          </p:nvPr>
-        </p:nvSpPr>
-        <p:spPr/>
-        <p:txBody>
-          <a:bodyPr>
-            <a:normAutofit/>
-          </a:bodyPr>
-          <a:lstStyle/>
-          <a:p>
-            <a:r>
-              <a:rPr lang="en-GB" dirty="0" smtClean="0"/>
-              <a:t>Why use the MEAN stack?</a:t>
-            </a:r>
-            <a:endParaRPr lang="en-GB" dirty="0" smtClean="0"/>
-          </a:p>
-          <a:p>
-            <a:r>
-              <a:rPr lang="en-GB" dirty="0" err="1" smtClean="0"/>
-              <a:t>Angular.js</a:t>
-            </a:r>
-            <a:endParaRPr lang="en-GB" dirty="0" smtClean="0"/>
-          </a:p>
-          <a:p>
-            <a:r>
-              <a:rPr lang="en-GB" dirty="0" err="1" smtClean="0"/>
-              <a:t>Node.js</a:t>
-            </a:r>
-            <a:endParaRPr lang="en-GB" dirty="0" smtClean="0"/>
-          </a:p>
-          <a:p>
-            <a:r>
-              <a:rPr lang="en-GB" dirty="0" smtClean="0"/>
-              <a:t>Express</a:t>
-            </a:r>
-          </a:p>
-          <a:p>
-            <a:r>
-              <a:rPr lang="en-GB" dirty="0" err="1" smtClean="0"/>
-              <a:t>MongoDB</a:t>
-            </a:r>
-            <a:endParaRPr lang="en-GB" dirty="0"/>
-          </a:p>
-        </p:txBody>
-      </p:sp>
-      <p:sp>
-        <p:nvSpPr>
           <p:cNvPr id="2" name="Title 1"/>
           <p:cNvSpPr>
             <a:spLocks noGrp="1"/>
@@ -3830,58 +4318,21 @@
           <a:lstStyle/>
           <a:p>
             <a:r>
-              <a:rPr lang="en-US" smtClean="0"/>
-              <a:t>Module Overview</a:t>
+              <a:rPr lang="en-US" dirty="0" err="1" smtClean="0"/>
+              <a:t>AngularJS</a:t>
             </a:r>
             <a:endParaRPr lang="en-US" dirty="0"/>
           </a:p>
         </p:txBody>
       </p:sp>
-    </p:spTree>
-    <p:extLst>
-      <p:ext uri="{BB962C8B-B14F-4D97-AF65-F5344CB8AC3E}">
-        <p14:creationId xmlns:p14="http://schemas.microsoft.com/office/powerpoint/2010/main" val="318349970"/>
-      </p:ext>
-    </p:extLst>
-  </p:cSld>
-  <p:clrMapOvr>
-    <a:masterClrMapping/>
-  </p:clrMapOvr>
-  <p:timing>
-    <p:tnLst>
-      <p:par>
-        <p:cTn xmlns:p14="http://schemas.microsoft.com/office/powerpoint/2010/main" id="1" dur="indefinite" restart="never" nodeType="tmRoot"/>
-      </p:par>
-    </p:tnLst>
-  </p:timing>
-</p:sld>
-</file>
-
-<file path=ppt/slides/slide3.xml><?xml version="1.0" encoding="utf-8"?>
-<p:sld xmlns:a="http://schemas.openxmlformats.org/drawingml/2006/main" xmlns:r="http://schemas.openxmlformats.org/officeDocument/2006/relationships" xmlns:p="http://schemas.openxmlformats.org/presentationml/2006/main">
-  <p:cSld>
-    <p:spTree>
-      <p:nvGrpSpPr>
-        <p:cNvPr id="1" name=""/>
-        <p:cNvGrpSpPr/>
-        <p:nvPr/>
-      </p:nvGrpSpPr>
-      <p:grpSpPr>
-        <a:xfrm>
-          <a:off x="0" y="0"/>
-          <a:ext cx="0" cy="0"/>
-          <a:chOff x="0" y="0"/>
-          <a:chExt cx="0" cy="0"/>
-        </a:xfrm>
-      </p:grpSpPr>
-      <p:sp>
-        <p:nvSpPr>
-          <p:cNvPr id="2" name="Title 1"/>
-          <p:cNvSpPr>
-            <a:spLocks noGrp="1"/>
-          </p:cNvSpPr>
-          <p:nvPr>
-            <p:ph type="title"/>
+      <p:sp>
+        <p:nvSpPr>
+          <p:cNvPr id="3" name="Content Placeholder 2"/>
+          <p:cNvSpPr>
+            <a:spLocks noGrp="1"/>
+          </p:cNvSpPr>
+          <p:nvPr>
+            <p:ph sz="quarter" idx="10"/>
           </p:nvPr>
         </p:nvSpPr>
         <p:spPr/>
@@ -3891,135 +4342,6 @@
           <a:p>
             <a:r>
               <a:rPr lang="en-US" dirty="0" smtClean="0"/>
-              <a:t>Why use the MEAN stack?</a:t>
-            </a:r>
-            <a:endParaRPr lang="en-US" dirty="0"/>
-          </a:p>
-        </p:txBody>
-      </p:sp>
-      <p:sp>
-        <p:nvSpPr>
-          <p:cNvPr id="3" name="Content Placeholder 2"/>
-          <p:cNvSpPr>
-            <a:spLocks noGrp="1"/>
-          </p:cNvSpPr>
-          <p:nvPr>
-            <p:ph sz="quarter" idx="10"/>
-          </p:nvPr>
-        </p:nvSpPr>
-        <p:spPr/>
-        <p:txBody>
-          <a:bodyPr/>
-          <a:lstStyle/>
-          <a:p>
-            <a:r>
-              <a:rPr lang="en-US" dirty="0" smtClean="0">
-                <a:latin typeface="Segoe UI Light"/>
-                <a:cs typeface="Segoe UI Light"/>
-              </a:rPr>
-              <a:t>One language to rule them all</a:t>
-            </a:r>
-            <a:endParaRPr lang="en-US" dirty="0">
-              <a:latin typeface="Segoe UI Light"/>
-              <a:cs typeface="Segoe UI Light"/>
-            </a:endParaRPr>
-          </a:p>
-          <a:p>
-            <a:r>
-              <a:rPr lang="en-US" dirty="0" smtClean="0">
-                <a:latin typeface="Segoe UI Light"/>
-                <a:cs typeface="Segoe UI Light"/>
-              </a:rPr>
-              <a:t>ALL open source</a:t>
-            </a:r>
-          </a:p>
-          <a:p>
-            <a:r>
-              <a:rPr lang="en-US" dirty="0" smtClean="0">
-                <a:latin typeface="Segoe UI Light"/>
-                <a:cs typeface="Segoe UI Light"/>
-              </a:rPr>
-              <a:t>Huge module library</a:t>
-            </a:r>
-          </a:p>
-          <a:p>
-            <a:r>
-              <a:rPr lang="en-US" dirty="0" smtClean="0"/>
-              <a:t>Get started quickly</a:t>
-            </a:r>
-          </a:p>
-        </p:txBody>
-      </p:sp>
-    </p:spTree>
-    <p:extLst>
-      <p:ext uri="{BB962C8B-B14F-4D97-AF65-F5344CB8AC3E}">
-        <p14:creationId xmlns:p14="http://schemas.microsoft.com/office/powerpoint/2010/main" val="255798916"/>
-      </p:ext>
-    </p:extLst>
-  </p:cSld>
-  <p:clrMapOvr>
-    <a:masterClrMapping/>
-  </p:clrMapOvr>
-</p:sld>
-</file>
-
-<file path=ppt/slides/slide4.xml><?xml version="1.0" encoding="utf-8"?>
-<p:sld xmlns:a="http://schemas.openxmlformats.org/drawingml/2006/main" xmlns:r="http://schemas.openxmlformats.org/officeDocument/2006/relationships" xmlns:p="http://schemas.openxmlformats.org/presentationml/2006/main">
-  <p:cSld>
-    <p:spTree>
-      <p:nvGrpSpPr>
-        <p:cNvPr id="1" name=""/>
-        <p:cNvGrpSpPr/>
-        <p:nvPr/>
-      </p:nvGrpSpPr>
-      <p:grpSpPr>
-        <a:xfrm>
-          <a:off x="0" y="0"/>
-          <a:ext cx="0" cy="0"/>
-          <a:chOff x="0" y="0"/>
-          <a:chExt cx="0" cy="0"/>
-        </a:xfrm>
-      </p:grpSpPr>
-      <p:sp>
-        <p:nvSpPr>
-          <p:cNvPr id="2" name="Title 1"/>
-          <p:cNvSpPr>
-            <a:spLocks noGrp="1"/>
-          </p:cNvSpPr>
-          <p:nvPr>
-            <p:ph type="title"/>
-          </p:nvPr>
-        </p:nvSpPr>
-        <p:spPr/>
-        <p:txBody>
-          <a:bodyPr/>
-          <a:lstStyle/>
-          <a:p>
-            <a:r>
-              <a:rPr lang="en-US" dirty="0" err="1" smtClean="0"/>
-              <a:t>AngularJS</a:t>
-            </a:r>
-            <a:endParaRPr lang="en-US" dirty="0"/>
-          </a:p>
-        </p:txBody>
-      </p:sp>
-      <p:sp>
-        <p:nvSpPr>
-          <p:cNvPr id="3" name="Content Placeholder 2"/>
-          <p:cNvSpPr>
-            <a:spLocks noGrp="1"/>
-          </p:cNvSpPr>
-          <p:nvPr>
-            <p:ph sz="quarter" idx="10"/>
-          </p:nvPr>
-        </p:nvSpPr>
-        <p:spPr/>
-        <p:txBody>
-          <a:bodyPr/>
-          <a:lstStyle/>
-          <a:p>
-            <a:r>
-              <a:rPr lang="en-US" dirty="0" smtClean="0"/>
               <a:t>Open source, maintained by Google</a:t>
             </a:r>
           </a:p>
@@ -4038,8 +4360,13 @@
           <a:p>
             <a:r>
               <a:rPr lang="en-US" dirty="0" smtClean="0"/>
-              <a:t>Easy to test</a:t>
-            </a:r>
+              <a:t>Easy </a:t>
+            </a:r>
+            <a:r>
+              <a:rPr lang="en-US" smtClean="0"/>
+              <a:t>to test</a:t>
+            </a:r>
+            <a:endParaRPr lang="en-US" dirty="0" smtClean="0"/>
           </a:p>
           <a:p>
             <a:endParaRPr lang="en-US" dirty="0"/>
@@ -4083,7 +4410,515 @@
 </p:sld>
 </file>
 
-<file path=ppt/slides/slide5.xml><?xml version="1.0" encoding="utf-8"?>
+<file path=ppt/slides/slide11.xml><?xml version="1.0" encoding="utf-8"?>
+<p:sld xmlns:a="http://schemas.openxmlformats.org/drawingml/2006/main" xmlns:r="http://schemas.openxmlformats.org/officeDocument/2006/relationships" xmlns:p="http://schemas.openxmlformats.org/presentationml/2006/main">
+  <p:cSld>
+    <p:spTree>
+      <p:nvGrpSpPr>
+        <p:cNvPr id="1" name=""/>
+        <p:cNvGrpSpPr/>
+        <p:nvPr/>
+      </p:nvGrpSpPr>
+      <p:grpSpPr>
+        <a:xfrm>
+          <a:off x="0" y="0"/>
+          <a:ext cx="0" cy="0"/>
+          <a:chOff x="0" y="0"/>
+          <a:chExt cx="0" cy="0"/>
+        </a:xfrm>
+      </p:grpSpPr>
+      <p:sp>
+        <p:nvSpPr>
+          <p:cNvPr id="2" name="Title 1"/>
+          <p:cNvSpPr>
+            <a:spLocks noGrp="1"/>
+          </p:cNvSpPr>
+          <p:nvPr>
+            <p:ph type="title"/>
+          </p:nvPr>
+        </p:nvSpPr>
+        <p:spPr/>
+        <p:txBody>
+          <a:bodyPr/>
+          <a:lstStyle/>
+          <a:p>
+            <a:r>
+              <a:rPr lang="en-US" dirty="0" smtClean="0"/>
+              <a:t>Where to get Angular?</a:t>
+            </a:r>
+            <a:endParaRPr lang="en-US" dirty="0"/>
+          </a:p>
+        </p:txBody>
+      </p:sp>
+      <p:sp>
+        <p:nvSpPr>
+          <p:cNvPr id="3" name="Content Placeholder 2"/>
+          <p:cNvSpPr>
+            <a:spLocks noGrp="1"/>
+          </p:cNvSpPr>
+          <p:nvPr>
+            <p:ph sz="quarter" idx="10"/>
+          </p:nvPr>
+        </p:nvSpPr>
+        <p:spPr/>
+        <p:txBody>
+          <a:bodyPr/>
+          <a:lstStyle/>
+          <a:p>
+            <a:endParaRPr lang="en-US"/>
+          </a:p>
+        </p:txBody>
+      </p:sp>
+    </p:spTree>
+    <p:extLst>
+      <p:ext uri="{BB962C8B-B14F-4D97-AF65-F5344CB8AC3E}">
+        <p14:creationId xmlns:p14="http://schemas.microsoft.com/office/powerpoint/2010/main" val="484845453"/>
+      </p:ext>
+    </p:extLst>
+  </p:cSld>
+  <p:clrMapOvr>
+    <a:masterClrMapping/>
+  </p:clrMapOvr>
+</p:sld>
+</file>
+
+<file path=ppt/slides/slide12.xml><?xml version="1.0" encoding="utf-8"?>
+<p:sld xmlns:a="http://schemas.openxmlformats.org/drawingml/2006/main" xmlns:r="http://schemas.openxmlformats.org/officeDocument/2006/relationships" xmlns:p="http://schemas.openxmlformats.org/presentationml/2006/main">
+  <p:cSld>
+    <p:spTree>
+      <p:nvGrpSpPr>
+        <p:cNvPr id="1" name=""/>
+        <p:cNvGrpSpPr/>
+        <p:nvPr/>
+      </p:nvGrpSpPr>
+      <p:grpSpPr>
+        <a:xfrm>
+          <a:off x="0" y="0"/>
+          <a:ext cx="0" cy="0"/>
+          <a:chOff x="0" y="0"/>
+          <a:chExt cx="0" cy="0"/>
+        </a:xfrm>
+      </p:grpSpPr>
+      <p:sp>
+        <p:nvSpPr>
+          <p:cNvPr id="2" name="Title 1"/>
+          <p:cNvSpPr>
+            <a:spLocks noGrp="1"/>
+          </p:cNvSpPr>
+          <p:nvPr>
+            <p:ph type="title"/>
+          </p:nvPr>
+        </p:nvSpPr>
+        <p:spPr/>
+        <p:txBody>
+          <a:bodyPr/>
+          <a:lstStyle/>
+          <a:p>
+            <a:r>
+              <a:rPr lang="en-US" dirty="0" err="1" smtClean="0"/>
+              <a:t>Node.js</a:t>
+            </a:r>
+            <a:endParaRPr lang="en-US" dirty="0"/>
+          </a:p>
+        </p:txBody>
+      </p:sp>
+      <p:sp>
+        <p:nvSpPr>
+          <p:cNvPr id="3" name="Content Placeholder 2"/>
+          <p:cNvSpPr>
+            <a:spLocks noGrp="1"/>
+          </p:cNvSpPr>
+          <p:nvPr>
+            <p:ph sz="quarter" idx="10"/>
+          </p:nvPr>
+        </p:nvSpPr>
+        <p:spPr/>
+        <p:txBody>
+          <a:bodyPr/>
+          <a:lstStyle/>
+          <a:p>
+            <a:endParaRPr lang="en-US"/>
+          </a:p>
+        </p:txBody>
+      </p:sp>
+    </p:spTree>
+    <p:extLst>
+      <p:ext uri="{BB962C8B-B14F-4D97-AF65-F5344CB8AC3E}">
+        <p14:creationId xmlns:p14="http://schemas.microsoft.com/office/powerpoint/2010/main" val="4158585340"/>
+      </p:ext>
+    </p:extLst>
+  </p:cSld>
+  <p:clrMapOvr>
+    <a:masterClrMapping/>
+  </p:clrMapOvr>
+</p:sld>
+</file>
+
+<file path=ppt/slides/slide13.xml><?xml version="1.0" encoding="utf-8"?>
+<p:sld xmlns:a="http://schemas.openxmlformats.org/drawingml/2006/main" xmlns:r="http://schemas.openxmlformats.org/officeDocument/2006/relationships" xmlns:p="http://schemas.openxmlformats.org/presentationml/2006/main">
+  <p:cSld>
+    <p:spTree>
+      <p:nvGrpSpPr>
+        <p:cNvPr id="1" name=""/>
+        <p:cNvGrpSpPr/>
+        <p:nvPr/>
+      </p:nvGrpSpPr>
+      <p:grpSpPr>
+        <a:xfrm>
+          <a:off x="0" y="0"/>
+          <a:ext cx="0" cy="0"/>
+          <a:chOff x="0" y="0"/>
+          <a:chExt cx="0" cy="0"/>
+        </a:xfrm>
+      </p:grpSpPr>
+      <p:sp>
+        <p:nvSpPr>
+          <p:cNvPr id="2" name="Title 1"/>
+          <p:cNvSpPr>
+            <a:spLocks noGrp="1"/>
+          </p:cNvSpPr>
+          <p:nvPr>
+            <p:ph type="title"/>
+          </p:nvPr>
+        </p:nvSpPr>
+        <p:spPr/>
+        <p:txBody>
+          <a:bodyPr/>
+          <a:lstStyle/>
+          <a:p>
+            <a:r>
+              <a:rPr lang="en-US" dirty="0" smtClean="0"/>
+              <a:t>How to install </a:t>
+            </a:r>
+            <a:r>
+              <a:rPr lang="en-US" dirty="0" err="1" smtClean="0"/>
+              <a:t>Node.js</a:t>
+            </a:r>
+            <a:endParaRPr lang="en-US" dirty="0"/>
+          </a:p>
+        </p:txBody>
+      </p:sp>
+      <p:sp>
+        <p:nvSpPr>
+          <p:cNvPr id="3" name="Content Placeholder 2"/>
+          <p:cNvSpPr>
+            <a:spLocks noGrp="1"/>
+          </p:cNvSpPr>
+          <p:nvPr>
+            <p:ph sz="quarter" idx="10"/>
+          </p:nvPr>
+        </p:nvSpPr>
+        <p:spPr/>
+        <p:txBody>
+          <a:bodyPr/>
+          <a:lstStyle/>
+          <a:p>
+            <a:endParaRPr lang="en-US"/>
+          </a:p>
+        </p:txBody>
+      </p:sp>
+    </p:spTree>
+    <p:extLst>
+      <p:ext uri="{BB962C8B-B14F-4D97-AF65-F5344CB8AC3E}">
+        <p14:creationId xmlns:p14="http://schemas.microsoft.com/office/powerpoint/2010/main" val="1447741859"/>
+      </p:ext>
+    </p:extLst>
+  </p:cSld>
+  <p:clrMapOvr>
+    <a:masterClrMapping/>
+  </p:clrMapOvr>
+</p:sld>
+</file>
+
+<file path=ppt/slides/slide14.xml><?xml version="1.0" encoding="utf-8"?>
+<p:sld xmlns:a="http://schemas.openxmlformats.org/drawingml/2006/main" xmlns:r="http://schemas.openxmlformats.org/officeDocument/2006/relationships" xmlns:p="http://schemas.openxmlformats.org/presentationml/2006/main">
+  <p:cSld>
+    <p:spTree>
+      <p:nvGrpSpPr>
+        <p:cNvPr id="1" name=""/>
+        <p:cNvGrpSpPr/>
+        <p:nvPr/>
+      </p:nvGrpSpPr>
+      <p:grpSpPr>
+        <a:xfrm>
+          <a:off x="0" y="0"/>
+          <a:ext cx="0" cy="0"/>
+          <a:chOff x="0" y="0"/>
+          <a:chExt cx="0" cy="0"/>
+        </a:xfrm>
+      </p:grpSpPr>
+      <p:sp>
+        <p:nvSpPr>
+          <p:cNvPr id="2" name="Title 1"/>
+          <p:cNvSpPr>
+            <a:spLocks noGrp="1"/>
+          </p:cNvSpPr>
+          <p:nvPr>
+            <p:ph type="title"/>
+          </p:nvPr>
+        </p:nvSpPr>
+        <p:spPr/>
+        <p:txBody>
+          <a:bodyPr/>
+          <a:lstStyle/>
+          <a:p>
+            <a:r>
+              <a:rPr lang="en-US" dirty="0" smtClean="0"/>
+              <a:t>Express</a:t>
+            </a:r>
+            <a:endParaRPr lang="en-US" dirty="0"/>
+          </a:p>
+        </p:txBody>
+      </p:sp>
+      <p:sp>
+        <p:nvSpPr>
+          <p:cNvPr id="3" name="Content Placeholder 2"/>
+          <p:cNvSpPr>
+            <a:spLocks noGrp="1"/>
+          </p:cNvSpPr>
+          <p:nvPr>
+            <p:ph sz="quarter" idx="10"/>
+          </p:nvPr>
+        </p:nvSpPr>
+        <p:spPr/>
+        <p:txBody>
+          <a:bodyPr/>
+          <a:lstStyle/>
+          <a:p>
+            <a:endParaRPr lang="en-US"/>
+          </a:p>
+        </p:txBody>
+      </p:sp>
+    </p:spTree>
+    <p:extLst>
+      <p:ext uri="{BB962C8B-B14F-4D97-AF65-F5344CB8AC3E}">
+        <p14:creationId xmlns:p14="http://schemas.microsoft.com/office/powerpoint/2010/main" val="244486112"/>
+      </p:ext>
+    </p:extLst>
+  </p:cSld>
+  <p:clrMapOvr>
+    <a:masterClrMapping/>
+  </p:clrMapOvr>
+</p:sld>
+</file>
+
+<file path=ppt/slides/slide15.xml><?xml version="1.0" encoding="utf-8"?>
+<p:sld xmlns:a="http://schemas.openxmlformats.org/drawingml/2006/main" xmlns:r="http://schemas.openxmlformats.org/officeDocument/2006/relationships" xmlns:p="http://schemas.openxmlformats.org/presentationml/2006/main">
+  <p:cSld>
+    <p:spTree>
+      <p:nvGrpSpPr>
+        <p:cNvPr id="1" name=""/>
+        <p:cNvGrpSpPr/>
+        <p:nvPr/>
+      </p:nvGrpSpPr>
+      <p:grpSpPr>
+        <a:xfrm>
+          <a:off x="0" y="0"/>
+          <a:ext cx="0" cy="0"/>
+          <a:chOff x="0" y="0"/>
+          <a:chExt cx="0" cy="0"/>
+        </a:xfrm>
+      </p:grpSpPr>
+      <p:sp>
+        <p:nvSpPr>
+          <p:cNvPr id="2" name="Title 1"/>
+          <p:cNvSpPr>
+            <a:spLocks noGrp="1"/>
+          </p:cNvSpPr>
+          <p:nvPr>
+            <p:ph type="title"/>
+          </p:nvPr>
+        </p:nvSpPr>
+        <p:spPr/>
+        <p:txBody>
+          <a:bodyPr/>
+          <a:lstStyle/>
+          <a:p>
+            <a:r>
+              <a:rPr lang="en-US" dirty="0" smtClean="0"/>
+              <a:t>How to install Express</a:t>
+            </a:r>
+            <a:endParaRPr lang="en-US" dirty="0"/>
+          </a:p>
+        </p:txBody>
+      </p:sp>
+      <p:sp>
+        <p:nvSpPr>
+          <p:cNvPr id="3" name="Content Placeholder 2"/>
+          <p:cNvSpPr>
+            <a:spLocks noGrp="1"/>
+          </p:cNvSpPr>
+          <p:nvPr>
+            <p:ph sz="quarter" idx="10"/>
+          </p:nvPr>
+        </p:nvSpPr>
+        <p:spPr/>
+        <p:txBody>
+          <a:bodyPr/>
+          <a:lstStyle/>
+          <a:p>
+            <a:endParaRPr lang="en-US"/>
+          </a:p>
+        </p:txBody>
+      </p:sp>
+    </p:spTree>
+    <p:extLst>
+      <p:ext uri="{BB962C8B-B14F-4D97-AF65-F5344CB8AC3E}">
+        <p14:creationId xmlns:p14="http://schemas.microsoft.com/office/powerpoint/2010/main" val="1028878007"/>
+      </p:ext>
+    </p:extLst>
+  </p:cSld>
+  <p:clrMapOvr>
+    <a:masterClrMapping/>
+  </p:clrMapOvr>
+</p:sld>
+</file>
+
+<file path=ppt/slides/slide16.xml><?xml version="1.0" encoding="utf-8"?>
+<p:sld xmlns:a="http://schemas.openxmlformats.org/drawingml/2006/main" xmlns:r="http://schemas.openxmlformats.org/officeDocument/2006/relationships" xmlns:p="http://schemas.openxmlformats.org/presentationml/2006/main">
+  <p:cSld>
+    <p:spTree>
+      <p:nvGrpSpPr>
+        <p:cNvPr id="1" name=""/>
+        <p:cNvGrpSpPr/>
+        <p:nvPr/>
+      </p:nvGrpSpPr>
+      <p:grpSpPr>
+        <a:xfrm>
+          <a:off x="0" y="0"/>
+          <a:ext cx="0" cy="0"/>
+          <a:chOff x="0" y="0"/>
+          <a:chExt cx="0" cy="0"/>
+        </a:xfrm>
+      </p:grpSpPr>
+      <p:sp>
+        <p:nvSpPr>
+          <p:cNvPr id="2" name="Title 1"/>
+          <p:cNvSpPr>
+            <a:spLocks noGrp="1"/>
+          </p:cNvSpPr>
+          <p:nvPr>
+            <p:ph type="title"/>
+          </p:nvPr>
+        </p:nvSpPr>
+        <p:spPr/>
+        <p:txBody>
+          <a:bodyPr/>
+          <a:lstStyle/>
+          <a:p>
+            <a:r>
+              <a:rPr lang="en-US" dirty="0" err="1" smtClean="0"/>
+              <a:t>MongoDB</a:t>
+            </a:r>
+            <a:endParaRPr lang="en-US" dirty="0"/>
+          </a:p>
+        </p:txBody>
+      </p:sp>
+      <p:sp>
+        <p:nvSpPr>
+          <p:cNvPr id="3" name="Content Placeholder 2"/>
+          <p:cNvSpPr>
+            <a:spLocks noGrp="1"/>
+          </p:cNvSpPr>
+          <p:nvPr>
+            <p:ph sz="quarter" idx="10"/>
+          </p:nvPr>
+        </p:nvSpPr>
+        <p:spPr/>
+        <p:txBody>
+          <a:bodyPr/>
+          <a:lstStyle/>
+          <a:p>
+            <a:endParaRPr lang="en-US"/>
+          </a:p>
+        </p:txBody>
+      </p:sp>
+    </p:spTree>
+    <p:extLst>
+      <p:ext uri="{BB962C8B-B14F-4D97-AF65-F5344CB8AC3E}">
+        <p14:creationId xmlns:p14="http://schemas.microsoft.com/office/powerpoint/2010/main" val="4037584604"/>
+      </p:ext>
+    </p:extLst>
+  </p:cSld>
+  <p:clrMapOvr>
+    <a:masterClrMapping/>
+  </p:clrMapOvr>
+</p:sld>
+</file>
+
+<file path=ppt/slides/slide17.xml><?xml version="1.0" encoding="utf-8"?>
+<p:sld xmlns:a="http://schemas.openxmlformats.org/drawingml/2006/main" xmlns:r="http://schemas.openxmlformats.org/officeDocument/2006/relationships" xmlns:p="http://schemas.openxmlformats.org/presentationml/2006/main">
+  <p:cSld>
+    <p:spTree>
+      <p:nvGrpSpPr>
+        <p:cNvPr id="1" name=""/>
+        <p:cNvGrpSpPr/>
+        <p:nvPr/>
+      </p:nvGrpSpPr>
+      <p:grpSpPr>
+        <a:xfrm>
+          <a:off x="0" y="0"/>
+          <a:ext cx="0" cy="0"/>
+          <a:chOff x="0" y="0"/>
+          <a:chExt cx="0" cy="0"/>
+        </a:xfrm>
+      </p:grpSpPr>
+      <p:sp>
+        <p:nvSpPr>
+          <p:cNvPr id="2" name="Title 1"/>
+          <p:cNvSpPr>
+            <a:spLocks noGrp="1"/>
+          </p:cNvSpPr>
+          <p:nvPr>
+            <p:ph type="title"/>
+          </p:nvPr>
+        </p:nvSpPr>
+        <p:spPr/>
+        <p:txBody>
+          <a:bodyPr/>
+          <a:lstStyle/>
+          <a:p>
+            <a:r>
+              <a:rPr lang="en-US" dirty="0" smtClean="0"/>
+              <a:t>How to install Mongo</a:t>
+            </a:r>
+            <a:endParaRPr lang="en-US" dirty="0"/>
+          </a:p>
+        </p:txBody>
+      </p:sp>
+      <p:sp>
+        <p:nvSpPr>
+          <p:cNvPr id="3" name="Content Placeholder 2"/>
+          <p:cNvSpPr>
+            <a:spLocks noGrp="1"/>
+          </p:cNvSpPr>
+          <p:nvPr>
+            <p:ph sz="quarter" idx="10"/>
+          </p:nvPr>
+        </p:nvSpPr>
+        <p:spPr/>
+        <p:txBody>
+          <a:bodyPr/>
+          <a:lstStyle/>
+          <a:p>
+            <a:endParaRPr lang="en-US"/>
+          </a:p>
+        </p:txBody>
+      </p:sp>
+    </p:spTree>
+    <p:extLst>
+      <p:ext uri="{BB962C8B-B14F-4D97-AF65-F5344CB8AC3E}">
+        <p14:creationId xmlns:p14="http://schemas.microsoft.com/office/powerpoint/2010/main" val="1028878007"/>
+      </p:ext>
+    </p:extLst>
+  </p:cSld>
+  <p:clrMapOvr>
+    <a:masterClrMapping/>
+  </p:clrMapOvr>
+</p:sld>
+</file>
+
+<file path=ppt/slides/slide18.xml><?xml version="1.0" encoding="utf-8"?>
 <p:sld xmlns:a="http://schemas.openxmlformats.org/drawingml/2006/main" xmlns:r="http://schemas.openxmlformats.org/officeDocument/2006/relationships" xmlns:p="http://schemas.openxmlformats.org/presentationml/2006/main">
   <p:cSld>
     <p:spTree>
@@ -4104,6 +4939,1361 @@
     <p:extLst>
       <p:ext uri="{BB962C8B-B14F-4D97-AF65-F5344CB8AC3E}">
         <p14:creationId xmlns:p14="http://schemas.microsoft.com/office/powerpoint/2010/main" val="898363405"/>
+      </p:ext>
+    </p:extLst>
+  </p:cSld>
+  <p:clrMapOvr>
+    <a:masterClrMapping/>
+  </p:clrMapOvr>
+</p:sld>
+</file>
+
+<file path=ppt/slides/slide2.xml><?xml version="1.0" encoding="utf-8"?>
+<p:sld xmlns:a="http://schemas.openxmlformats.org/drawingml/2006/main" xmlns:r="http://schemas.openxmlformats.org/officeDocument/2006/relationships" xmlns:p="http://schemas.openxmlformats.org/presentationml/2006/main">
+  <p:cSld>
+    <p:spTree>
+      <p:nvGrpSpPr>
+        <p:cNvPr id="1" name=""/>
+        <p:cNvGrpSpPr/>
+        <p:nvPr/>
+      </p:nvGrpSpPr>
+      <p:grpSpPr>
+        <a:xfrm>
+          <a:off x="0" y="0"/>
+          <a:ext cx="0" cy="0"/>
+          <a:chOff x="0" y="0"/>
+          <a:chExt cx="0" cy="0"/>
+        </a:xfrm>
+      </p:grpSpPr>
+      <p:sp>
+        <p:nvSpPr>
+          <p:cNvPr id="2" name="Title 1"/>
+          <p:cNvSpPr>
+            <a:spLocks noGrp="1"/>
+          </p:cNvSpPr>
+          <p:nvPr>
+            <p:ph type="title"/>
+          </p:nvPr>
+        </p:nvSpPr>
+        <p:spPr/>
+        <p:txBody>
+          <a:bodyPr/>
+          <a:lstStyle/>
+          <a:p>
+            <a:r>
+              <a:rPr lang="en-US" dirty="0" smtClean="0"/>
+              <a:t>Meet Helen Zeng | ‏@</a:t>
+            </a:r>
+            <a:r>
+              <a:rPr lang="en-US" dirty="0" err="1" smtClean="0"/>
+              <a:t>hwz</a:t>
+            </a:r>
+            <a:r>
+              <a:rPr lang="en-US" dirty="0" smtClean="0"/>
+              <a:t> </a:t>
+            </a:r>
+            <a:endParaRPr lang="en-US" dirty="0"/>
+          </a:p>
+        </p:txBody>
+      </p:sp>
+      <p:sp>
+        <p:nvSpPr>
+          <p:cNvPr id="7" name="Content Placeholder 6"/>
+          <p:cNvSpPr>
+            <a:spLocks noGrp="1"/>
+          </p:cNvSpPr>
+          <p:nvPr>
+            <p:ph idx="10"/>
+          </p:nvPr>
+        </p:nvSpPr>
+        <p:spPr/>
+        <p:txBody>
+          <a:bodyPr/>
+          <a:lstStyle/>
+          <a:p>
+            <a:r>
+              <a:rPr lang="en-US" dirty="0"/>
+              <a:t>Developer Evangelist for </a:t>
+            </a:r>
+            <a:r>
+              <a:rPr lang="en-US" dirty="0" smtClean="0"/>
+              <a:t>San Francisco Startups</a:t>
+            </a:r>
+          </a:p>
+          <a:p>
+            <a:pPr marL="457046" lvl="1" indent="0">
+              <a:buNone/>
+            </a:pPr>
+            <a:r>
+              <a:rPr lang="en-US" dirty="0" smtClean="0"/>
+              <a:t>Works with top incubators &amp; accelerators to drive</a:t>
+            </a:r>
+            <a:br>
+              <a:rPr lang="en-US" dirty="0" smtClean="0"/>
+            </a:br>
+            <a:r>
+              <a:rPr lang="en-US" dirty="0" smtClean="0"/>
+              <a:t>Azure and general platform adoption</a:t>
+            </a:r>
+          </a:p>
+          <a:p>
+            <a:pPr marL="457046" lvl="1" indent="0">
+              <a:buNone/>
+            </a:pPr>
+            <a:r>
+              <a:rPr lang="en-US" dirty="0" smtClean="0"/>
+              <a:t>Gives talks and workshops to developer audiences</a:t>
+            </a:r>
+            <a:endParaRPr lang="en-US" dirty="0"/>
+          </a:p>
+          <a:p>
+            <a:r>
+              <a:rPr lang="en-US" dirty="0" smtClean="0"/>
+              <a:t>Web development nerd</a:t>
+            </a:r>
+          </a:p>
+          <a:p>
+            <a:r>
+              <a:rPr lang="en-US" dirty="0" smtClean="0"/>
+              <a:t>Volunteer high </a:t>
+            </a:r>
+            <a:r>
+              <a:rPr lang="en-US" dirty="0"/>
+              <a:t>s</a:t>
+            </a:r>
+            <a:r>
+              <a:rPr lang="en-US" dirty="0" smtClean="0"/>
+              <a:t>chool CS teacher</a:t>
+            </a:r>
+          </a:p>
+          <a:p>
+            <a:r>
+              <a:rPr lang="en-US" dirty="0" smtClean="0"/>
+              <a:t>Avid traveler</a:t>
+            </a:r>
+          </a:p>
+          <a:p>
+            <a:endParaRPr lang="en-US" dirty="0" smtClean="0"/>
+          </a:p>
+        </p:txBody>
+      </p:sp>
+      <p:pic>
+        <p:nvPicPr>
+          <p:cNvPr id="6" name="Picture 5"/>
+          <p:cNvPicPr>
+            <a:picLocks noChangeAspect="1"/>
+          </p:cNvPicPr>
+          <p:nvPr/>
+        </p:nvPicPr>
+        <p:blipFill>
+          <a:blip r:embed="rId3">
+            <a:extLst>
+              <a:ext uri="{28A0092B-C50C-407E-A947-70E740481C1C}">
+                <a14:useLocalDpi xmlns:a14="http://schemas.microsoft.com/office/drawing/2010/main" val="0"/>
+              </a:ext>
+            </a:extLst>
+          </a:blip>
+          <a:stretch>
+            <a:fillRect/>
+          </a:stretch>
+        </p:blipFill>
+        <p:spPr>
+          <a:xfrm>
+            <a:off x="9642666" y="327470"/>
+            <a:ext cx="2372638" cy="2372638"/>
+          </a:xfrm>
+          <a:prstGeom prst="rect">
+            <a:avLst/>
+          </a:prstGeom>
+        </p:spPr>
+      </p:pic>
+    </p:spTree>
+    <p:extLst>
+      <p:ext uri="{BB962C8B-B14F-4D97-AF65-F5344CB8AC3E}">
+        <p14:creationId xmlns:p14="http://schemas.microsoft.com/office/powerpoint/2010/main" val="4238450048"/>
+      </p:ext>
+    </p:extLst>
+  </p:cSld>
+  <p:clrMapOvr>
+    <a:masterClrMapping/>
+  </p:clrMapOvr>
+  <mc:AlternateContent xmlns:mc="http://schemas.openxmlformats.org/markup-compatibility/2006" xmlns:p14="http://schemas.microsoft.com/office/powerpoint/2010/main">
+    <mc:Choice Requires="p14">
+      <p:transition spd="slow" p14:dur="2000"/>
+    </mc:Choice>
+    <mc:Fallback xmlns="">
+      <p:transition spd="slow"/>
+    </mc:Fallback>
+  </mc:AlternateContent>
+  <p:timing>
+    <p:tnLst>
+      <p:par>
+        <p:cTn xmlns:p14="http://schemas.microsoft.com/office/powerpoint/2010/main" id="1" dur="indefinite" restart="never" nodeType="tmRoot"/>
+      </p:par>
+    </p:tnLst>
+  </p:timing>
+</p:sld>
+</file>
+
+<file path=ppt/slides/slide3.xml><?xml version="1.0" encoding="utf-8"?>
+<p:sld xmlns:a="http://schemas.openxmlformats.org/drawingml/2006/main" xmlns:r="http://schemas.openxmlformats.org/officeDocument/2006/relationships" xmlns:p="http://schemas.openxmlformats.org/presentationml/2006/main">
+  <p:cSld>
+    <p:spTree>
+      <p:nvGrpSpPr>
+        <p:cNvPr id="1" name=""/>
+        <p:cNvGrpSpPr/>
+        <p:nvPr/>
+      </p:nvGrpSpPr>
+      <p:grpSpPr>
+        <a:xfrm>
+          <a:off x="0" y="0"/>
+          <a:ext cx="0" cy="0"/>
+          <a:chOff x="0" y="0"/>
+          <a:chExt cx="0" cy="0"/>
+        </a:xfrm>
+      </p:grpSpPr>
+      <p:sp>
+        <p:nvSpPr>
+          <p:cNvPr id="2" name="Title 1"/>
+          <p:cNvSpPr>
+            <a:spLocks noGrp="1"/>
+          </p:cNvSpPr>
+          <p:nvPr>
+            <p:ph type="title"/>
+          </p:nvPr>
+        </p:nvSpPr>
+        <p:spPr/>
+        <p:txBody>
+          <a:bodyPr/>
+          <a:lstStyle/>
+          <a:p>
+            <a:r>
+              <a:rPr lang="en-US" dirty="0" smtClean="0"/>
+              <a:t>Meet Steven </a:t>
+            </a:r>
+            <a:r>
+              <a:rPr lang="en-US" dirty="0" err="1" smtClean="0"/>
+              <a:t>Edouard</a:t>
+            </a:r>
+            <a:r>
+              <a:rPr lang="en-US" smtClean="0"/>
+              <a:t> | </a:t>
+            </a:r>
+            <a:r>
+              <a:rPr lang="en-US" dirty="0" smtClean="0"/>
+              <a:t>‏@</a:t>
+            </a:r>
+            <a:r>
+              <a:rPr lang="en-US" dirty="0" err="1" smtClean="0"/>
+              <a:t>sedouard</a:t>
+            </a:r>
+            <a:r>
+              <a:rPr lang="en-US" dirty="0" smtClean="0"/>
+              <a:t> </a:t>
+            </a:r>
+            <a:endParaRPr lang="en-US" dirty="0"/>
+          </a:p>
+        </p:txBody>
+      </p:sp>
+      <p:sp>
+        <p:nvSpPr>
+          <p:cNvPr id="7" name="Content Placeholder 6"/>
+          <p:cNvSpPr>
+            <a:spLocks noGrp="1"/>
+          </p:cNvSpPr>
+          <p:nvPr>
+            <p:ph idx="10"/>
+          </p:nvPr>
+        </p:nvSpPr>
+        <p:spPr/>
+        <p:txBody>
+          <a:bodyPr/>
+          <a:lstStyle/>
+          <a:p>
+            <a:r>
+              <a:rPr lang="en-US" dirty="0"/>
+              <a:t>Developer Evangelist for </a:t>
+            </a:r>
+            <a:r>
+              <a:rPr lang="en-US" dirty="0" smtClean="0"/>
+              <a:t>San Francisco Startups</a:t>
+            </a:r>
+          </a:p>
+          <a:p>
+            <a:pPr marL="457046" lvl="1" indent="0">
+              <a:buNone/>
+            </a:pPr>
+            <a:r>
+              <a:rPr lang="en-US" dirty="0" smtClean="0"/>
+              <a:t>Works with top incubators &amp; accelerators to drive</a:t>
+            </a:r>
+            <a:br>
+              <a:rPr lang="en-US" dirty="0" smtClean="0"/>
+            </a:br>
+            <a:r>
+              <a:rPr lang="en-US" dirty="0" smtClean="0"/>
+              <a:t>Azure and general platform adoption</a:t>
+            </a:r>
+          </a:p>
+          <a:p>
+            <a:pPr marL="457046" lvl="1" indent="0">
+              <a:buNone/>
+            </a:pPr>
+            <a:r>
+              <a:rPr lang="en-US" dirty="0" smtClean="0"/>
+              <a:t>Gives talks and workshops to developer audiences</a:t>
+            </a:r>
+            <a:endParaRPr lang="en-US" dirty="0"/>
+          </a:p>
+          <a:p>
+            <a:r>
+              <a:rPr lang="en-US" dirty="0" smtClean="0"/>
+              <a:t>Web development nerd</a:t>
+            </a:r>
+          </a:p>
+          <a:p>
+            <a:r>
+              <a:rPr lang="en-US" dirty="0" smtClean="0"/>
+              <a:t>Volunteer high </a:t>
+            </a:r>
+            <a:r>
+              <a:rPr lang="en-US" dirty="0"/>
+              <a:t>s</a:t>
+            </a:r>
+            <a:r>
+              <a:rPr lang="en-US" dirty="0" smtClean="0"/>
+              <a:t>chool CS teacher</a:t>
+            </a:r>
+          </a:p>
+          <a:p>
+            <a:r>
+              <a:rPr lang="en-US" dirty="0" smtClean="0"/>
+              <a:t>Avid traveler</a:t>
+            </a:r>
+          </a:p>
+          <a:p>
+            <a:endParaRPr lang="en-US" dirty="0" smtClean="0"/>
+          </a:p>
+        </p:txBody>
+      </p:sp>
+      <p:pic>
+        <p:nvPicPr>
+          <p:cNvPr id="6" name="Picture 5"/>
+          <p:cNvPicPr>
+            <a:picLocks noChangeAspect="1"/>
+          </p:cNvPicPr>
+          <p:nvPr/>
+        </p:nvPicPr>
+        <p:blipFill>
+          <a:blip r:embed="rId3">
+            <a:extLst>
+              <a:ext uri="{28A0092B-C50C-407E-A947-70E740481C1C}">
+                <a14:useLocalDpi xmlns:a14="http://schemas.microsoft.com/office/drawing/2010/main" val="0"/>
+              </a:ext>
+            </a:extLst>
+          </a:blip>
+          <a:stretch>
+            <a:fillRect/>
+          </a:stretch>
+        </p:blipFill>
+        <p:spPr>
+          <a:xfrm>
+            <a:off x="9642666" y="327470"/>
+            <a:ext cx="2372638" cy="2372638"/>
+          </a:xfrm>
+          <a:prstGeom prst="rect">
+            <a:avLst/>
+          </a:prstGeom>
+        </p:spPr>
+      </p:pic>
+    </p:spTree>
+    <p:extLst>
+      <p:ext uri="{BB962C8B-B14F-4D97-AF65-F5344CB8AC3E}">
+        <p14:creationId xmlns:p14="http://schemas.microsoft.com/office/powerpoint/2010/main" val="1931519630"/>
+      </p:ext>
+    </p:extLst>
+  </p:cSld>
+  <p:clrMapOvr>
+    <a:masterClrMapping/>
+  </p:clrMapOvr>
+  <mc:AlternateContent xmlns:mc="http://schemas.openxmlformats.org/markup-compatibility/2006" xmlns:p14="http://schemas.microsoft.com/office/powerpoint/2010/main">
+    <mc:Choice Requires="p14">
+      <p:transition spd="slow" p14:dur="2000"/>
+    </mc:Choice>
+    <mc:Fallback xmlns="">
+      <p:transition spd="slow"/>
+    </mc:Fallback>
+  </mc:AlternateContent>
+  <p:timing>
+    <p:tnLst>
+      <p:par>
+        <p:cTn xmlns:p14="http://schemas.microsoft.com/office/powerpoint/2010/main" id="1" dur="indefinite" restart="never" nodeType="tmRoot"/>
+      </p:par>
+    </p:tnLst>
+  </p:timing>
+</p:sld>
+</file>
+
+<file path=ppt/slides/slide4.xml><?xml version="1.0" encoding="utf-8"?>
+<p:sld xmlns:a="http://schemas.openxmlformats.org/drawingml/2006/main" xmlns:r="http://schemas.openxmlformats.org/officeDocument/2006/relationships" xmlns:p="http://schemas.openxmlformats.org/presentationml/2006/main">
+  <p:cSld>
+    <p:spTree>
+      <p:nvGrpSpPr>
+        <p:cNvPr id="1" name=""/>
+        <p:cNvGrpSpPr/>
+        <p:nvPr/>
+      </p:nvGrpSpPr>
+      <p:grpSpPr>
+        <a:xfrm>
+          <a:off x="0" y="0"/>
+          <a:ext cx="0" cy="0"/>
+          <a:chOff x="0" y="0"/>
+          <a:chExt cx="0" cy="0"/>
+        </a:xfrm>
+      </p:grpSpPr>
+      <p:sp>
+        <p:nvSpPr>
+          <p:cNvPr id="2" name="Title 1"/>
+          <p:cNvSpPr>
+            <a:spLocks noGrp="1"/>
+          </p:cNvSpPr>
+          <p:nvPr>
+            <p:ph type="title"/>
+          </p:nvPr>
+        </p:nvSpPr>
+        <p:spPr/>
+        <p:txBody>
+          <a:bodyPr>
+            <a:normAutofit/>
+          </a:bodyPr>
+          <a:lstStyle/>
+          <a:p>
+            <a:pPr lvl="0"/>
+            <a:r>
+              <a:rPr lang="en-US" dirty="0" smtClean="0"/>
+              <a:t>Course Topics</a:t>
+            </a:r>
+            <a:endParaRPr lang="en-US" dirty="0"/>
+          </a:p>
+        </p:txBody>
+      </p:sp>
+      <p:graphicFrame>
+        <p:nvGraphicFramePr>
+          <p:cNvPr id="4" name="Content Placeholder 3"/>
+          <p:cNvGraphicFramePr>
+            <a:graphicFrameLocks noGrp="1"/>
+          </p:cNvGraphicFramePr>
+          <p:nvPr>
+            <p:ph sz="quarter" idx="10"/>
+            <p:extLst>
+              <p:ext uri="{D42A27DB-BD31-4B8C-83A1-F6EECF244321}">
+                <p14:modId xmlns:p14="http://schemas.microsoft.com/office/powerpoint/2010/main" val="2961308638"/>
+              </p:ext>
+            </p:extLst>
+          </p:nvPr>
+        </p:nvGraphicFramePr>
+        <p:xfrm>
+          <a:off x="379413" y="1417636"/>
+          <a:ext cx="11525250" cy="3070528"/>
+        </p:xfrm>
+        <a:graphic>
+          <a:graphicData uri="http://schemas.openxmlformats.org/drawingml/2006/table">
+            <a:tbl>
+              <a:tblPr firstRow="1" bandRow="1">
+                <a:tableStyleId>{5C22544A-7EE6-4342-B048-85BDC9FD1C3A}</a:tableStyleId>
+              </a:tblPr>
+              <a:tblGrid>
+                <a:gridCol w="5762625">
+                  <a:extLst>
+                    <a:ext uri="{9D8B030D-6E8A-4147-A177-3AD203B41FA5}">
+                      <a16:colId xmlns="" xmlns:a16="http://schemas.microsoft.com/office/drawing/2014/main" val="1632794655"/>
+                    </a:ext>
+                  </a:extLst>
+                </a:gridCol>
+                <a:gridCol w="5762625">
+                  <a:extLst>
+                    <a:ext uri="{9D8B030D-6E8A-4147-A177-3AD203B41FA5}">
+                      <a16:colId xmlns="" xmlns:a16="http://schemas.microsoft.com/office/drawing/2014/main" val="2011313899"/>
+                    </a:ext>
+                  </a:extLst>
+                </a:gridCol>
+              </a:tblGrid>
+              <a:tr h="767632">
+                <a:tc gridSpan="2">
+                  <a:txBody>
+                    <a:bodyPr/>
+                    <a:lstStyle/>
+                    <a:p>
+                      <a:r>
+                        <a:rPr lang="en-US" sz="3600" dirty="0" smtClean="0"/>
+                        <a:t>Do you know what I MEAN?</a:t>
+                      </a:r>
+                      <a:endParaRPr lang="en-US" sz="3600" dirty="0">
+                        <a:latin typeface="Segoe UI Light" panose="020B0502040204020203" pitchFamily="34" charset="0"/>
+                        <a:cs typeface="Segoe UI Light" panose="020B0502040204020203" pitchFamily="34" charset="0"/>
+                      </a:endParaRPr>
+                    </a:p>
+                  </a:txBody>
+                  <a:tcPr anchor="ctr"/>
+                </a:tc>
+                <a:tc hMerge="1">
+                  <a:txBody>
+                    <a:bodyPr/>
+                    <a:lstStyle/>
+                    <a:p>
+                      <a:endParaRPr lang="en-US" dirty="0"/>
+                    </a:p>
+                  </a:txBody>
+                  <a:tcPr/>
+                </a:tc>
+                <a:extLst>
+                  <a:ext uri="{0D108BD9-81ED-4DB2-BD59-A6C34878D82A}">
+                    <a16:rowId xmlns="" xmlns:a16="http://schemas.microsoft.com/office/drawing/2014/main" val="1789177411"/>
+                  </a:ext>
+                </a:extLst>
+              </a:tr>
+              <a:tr h="767632">
+                <a:tc>
+                  <a:txBody>
+                    <a:bodyPr/>
+                    <a:lstStyle/>
+                    <a:p>
+                      <a:r>
+                        <a:rPr lang="en-US" sz="2400" dirty="0" smtClean="0">
+                          <a:latin typeface="Segoe UI Light" panose="020B0502040204020203" pitchFamily="34" charset="0"/>
+                          <a:cs typeface="Segoe UI Light" panose="020B0502040204020203" pitchFamily="34" charset="0"/>
+                        </a:rPr>
+                        <a:t>01 | What is</a:t>
+                      </a:r>
+                      <a:r>
+                        <a:rPr lang="en-US" sz="2400" baseline="0" dirty="0" smtClean="0">
+                          <a:latin typeface="Segoe UI Light" panose="020B0502040204020203" pitchFamily="34" charset="0"/>
+                          <a:cs typeface="Segoe UI Light" panose="020B0502040204020203" pitchFamily="34" charset="0"/>
+                        </a:rPr>
+                        <a:t> MEAN?</a:t>
+                      </a:r>
+                      <a:endParaRPr lang="en-US" sz="2400" dirty="0">
+                        <a:latin typeface="Segoe UI Light" panose="020B0502040204020203" pitchFamily="34" charset="0"/>
+                        <a:cs typeface="Segoe UI Light" panose="020B0502040204020203" pitchFamily="34" charset="0"/>
+                      </a:endParaRPr>
+                    </a:p>
+                  </a:txBody>
+                  <a:tcPr anchor="ctr"/>
+                </a:tc>
+                <a:tc>
+                  <a:txBody>
+                    <a:bodyPr/>
+                    <a:lstStyle/>
+                    <a:p>
+                      <a:r>
+                        <a:rPr lang="en-US" sz="2400" dirty="0" smtClean="0">
+                          <a:latin typeface="Segoe UI Light" panose="020B0502040204020203" pitchFamily="34" charset="0"/>
+                          <a:cs typeface="Segoe UI Light" panose="020B0502040204020203" pitchFamily="34" charset="0"/>
+                        </a:rPr>
+                        <a:t>05 | Integrating</a:t>
+                      </a:r>
+                      <a:r>
+                        <a:rPr lang="en-US" sz="2400" baseline="0" dirty="0" smtClean="0">
+                          <a:latin typeface="Segoe UI Light" panose="020B0502040204020203" pitchFamily="34" charset="0"/>
+                          <a:cs typeface="Segoe UI Light" panose="020B0502040204020203" pitchFamily="34" charset="0"/>
+                        </a:rPr>
+                        <a:t> </a:t>
+                      </a:r>
+                      <a:r>
+                        <a:rPr lang="en-US" sz="2400" baseline="0" dirty="0" err="1" smtClean="0">
+                          <a:latin typeface="Segoe UI Light" panose="020B0502040204020203" pitchFamily="34" charset="0"/>
+                          <a:cs typeface="Segoe UI Light" panose="020B0502040204020203" pitchFamily="34" charset="0"/>
+                        </a:rPr>
+                        <a:t>MongoDB</a:t>
+                      </a:r>
+                      <a:endParaRPr lang="en-US" sz="2400" dirty="0">
+                        <a:latin typeface="Segoe UI Light" panose="020B0502040204020203" pitchFamily="34" charset="0"/>
+                        <a:cs typeface="Segoe UI Light" panose="020B0502040204020203" pitchFamily="34" charset="0"/>
+                      </a:endParaRPr>
+                    </a:p>
+                  </a:txBody>
+                  <a:tcPr anchor="ctr"/>
+                </a:tc>
+                <a:extLst>
+                  <a:ext uri="{0D108BD9-81ED-4DB2-BD59-A6C34878D82A}">
+                    <a16:rowId xmlns="" xmlns:a16="http://schemas.microsoft.com/office/drawing/2014/main" val="3842815335"/>
+                  </a:ext>
+                </a:extLst>
+              </a:tr>
+              <a:tr h="767632">
+                <a:tc>
+                  <a:txBody>
+                    <a:bodyPr/>
+                    <a:lstStyle/>
+                    <a:p>
+                      <a:r>
+                        <a:rPr lang="en-US" sz="2400" dirty="0" smtClean="0">
+                          <a:latin typeface="Segoe UI Light" panose="020B0502040204020203" pitchFamily="34" charset="0"/>
+                          <a:cs typeface="Segoe UI Light" panose="020B0502040204020203" pitchFamily="34" charset="0"/>
+                        </a:rPr>
+                        <a:t>02 | Intro to </a:t>
+                      </a:r>
+                      <a:r>
+                        <a:rPr lang="en-US" sz="2400" dirty="0" err="1" smtClean="0">
+                          <a:latin typeface="Segoe UI Light" panose="020B0502040204020203" pitchFamily="34" charset="0"/>
+                          <a:cs typeface="Segoe UI Light" panose="020B0502040204020203" pitchFamily="34" charset="0"/>
+                        </a:rPr>
+                        <a:t>Angular.js</a:t>
+                      </a:r>
+                      <a:endParaRPr lang="en-US" sz="2400" dirty="0">
+                        <a:latin typeface="Segoe UI Light" panose="020B0502040204020203" pitchFamily="34" charset="0"/>
+                        <a:cs typeface="Segoe UI Light" panose="020B0502040204020203" pitchFamily="34" charset="0"/>
+                      </a:endParaRPr>
+                    </a:p>
+                  </a:txBody>
+                  <a:tcPr anchor="ctr"/>
+                </a:tc>
+                <a:tc>
+                  <a:txBody>
+                    <a:bodyPr/>
+                    <a:lstStyle/>
+                    <a:p>
+                      <a:r>
+                        <a:rPr lang="en-US" sz="2400" dirty="0" smtClean="0">
+                          <a:latin typeface="Segoe UI Light" panose="020B0502040204020203" pitchFamily="34" charset="0"/>
+                          <a:cs typeface="Segoe UI Light" panose="020B0502040204020203" pitchFamily="34" charset="0"/>
+                        </a:rPr>
+                        <a:t>06 |  Tying things together</a:t>
+                      </a:r>
+                      <a:endParaRPr lang="en-US" sz="2400" dirty="0">
+                        <a:latin typeface="Segoe UI Light" panose="020B0502040204020203" pitchFamily="34" charset="0"/>
+                        <a:cs typeface="Segoe UI Light" panose="020B0502040204020203" pitchFamily="34" charset="0"/>
+                      </a:endParaRPr>
+                    </a:p>
+                  </a:txBody>
+                  <a:tcPr anchor="ctr"/>
+                </a:tc>
+                <a:extLst>
+                  <a:ext uri="{0D108BD9-81ED-4DB2-BD59-A6C34878D82A}">
+                    <a16:rowId xmlns="" xmlns:a16="http://schemas.microsoft.com/office/drawing/2014/main" val="321066646"/>
+                  </a:ext>
+                </a:extLst>
+              </a:tr>
+              <a:tr h="767632">
+                <a:tc>
+                  <a:txBody>
+                    <a:bodyPr/>
+                    <a:lstStyle/>
+                    <a:p>
+                      <a:pPr marL="0" marR="0" indent="0" algn="l" defTabSz="914088" rtl="0" eaLnBrk="1" fontAlgn="auto" latinLnBrk="0" hangingPunct="1">
+                        <a:lnSpc>
+                          <a:spcPct val="100000"/>
+                        </a:lnSpc>
+                        <a:spcBef>
+                          <a:spcPts val="0"/>
+                        </a:spcBef>
+                        <a:spcAft>
+                          <a:spcPts val="0"/>
+                        </a:spcAft>
+                        <a:buClrTx/>
+                        <a:buSzTx/>
+                        <a:buFontTx/>
+                        <a:buNone/>
+                        <a:tabLst/>
+                        <a:defRPr/>
+                      </a:pPr>
+                      <a:r>
+                        <a:rPr lang="en-US" sz="2400" dirty="0" smtClean="0">
+                          <a:latin typeface="Segoe UI Light" panose="020B0502040204020203" pitchFamily="34" charset="0"/>
+                          <a:cs typeface="Segoe UI Light" panose="020B0502040204020203" pitchFamily="34" charset="0"/>
+                        </a:rPr>
+                        <a:t>03</a:t>
+                      </a:r>
+                      <a:r>
+                        <a:rPr lang="en-US" sz="2400" baseline="0" dirty="0" smtClean="0">
+                          <a:latin typeface="Segoe UI Light" panose="020B0502040204020203" pitchFamily="34" charset="0"/>
+                          <a:cs typeface="Segoe UI Light" panose="020B0502040204020203" pitchFamily="34" charset="0"/>
+                        </a:rPr>
+                        <a:t> | </a:t>
+                      </a:r>
+                      <a:r>
+                        <a:rPr lang="en-US" sz="2400" dirty="0" smtClean="0">
+                          <a:latin typeface="Segoe UI Light" panose="020B0502040204020203" pitchFamily="34" charset="0"/>
+                          <a:cs typeface="Segoe UI Light" panose="020B0502040204020203" pitchFamily="34" charset="0"/>
+                        </a:rPr>
+                        <a:t>Node and Express</a:t>
+                      </a:r>
+                    </a:p>
+                  </a:txBody>
+                  <a:tcPr anchor="ctr"/>
+                </a:tc>
+                <a:tc>
+                  <a:txBody>
+                    <a:bodyPr/>
+                    <a:lstStyle/>
+                    <a:p>
+                      <a:r>
+                        <a:rPr lang="en-US" sz="2400" dirty="0" smtClean="0">
+                          <a:latin typeface="Segoe UI Light" panose="020B0502040204020203" pitchFamily="34" charset="0"/>
+                          <a:cs typeface="Segoe UI Light" panose="020B0502040204020203" pitchFamily="34" charset="0"/>
+                        </a:rPr>
+                        <a:t>07 | Deployment</a:t>
+                      </a:r>
+                      <a:r>
+                        <a:rPr lang="en-US" sz="2400" baseline="0" dirty="0" smtClean="0">
+                          <a:latin typeface="Segoe UI Light" panose="020B0502040204020203" pitchFamily="34" charset="0"/>
+                          <a:cs typeface="Segoe UI Light" panose="020B0502040204020203" pitchFamily="34" charset="0"/>
+                        </a:rPr>
+                        <a:t> &amp; Conclusion</a:t>
+                      </a:r>
+                      <a:r>
+                        <a:rPr lang="en-US" sz="2400" dirty="0" smtClean="0">
+                          <a:latin typeface="Segoe UI Light" panose="020B0502040204020203" pitchFamily="34" charset="0"/>
+                          <a:cs typeface="Segoe UI Light" panose="020B0502040204020203" pitchFamily="34" charset="0"/>
+                        </a:rPr>
+                        <a:t>  </a:t>
+                      </a:r>
+                      <a:endParaRPr lang="en-US" sz="2400" dirty="0">
+                        <a:latin typeface="Segoe UI Light" panose="020B0502040204020203" pitchFamily="34" charset="0"/>
+                        <a:cs typeface="Segoe UI Light" panose="020B0502040204020203" pitchFamily="34" charset="0"/>
+                      </a:endParaRPr>
+                    </a:p>
+                  </a:txBody>
+                  <a:tcPr anchor="ctr"/>
+                </a:tc>
+                <a:extLst>
+                  <a:ext uri="{0D108BD9-81ED-4DB2-BD59-A6C34878D82A}">
+                    <a16:rowId xmlns="" xmlns:a16="http://schemas.microsoft.com/office/drawing/2014/main" val="3812060533"/>
+                  </a:ext>
+                </a:extLst>
+              </a:tr>
+            </a:tbl>
+          </a:graphicData>
+        </a:graphic>
+      </p:graphicFrame>
+    </p:spTree>
+    <p:extLst>
+      <p:ext uri="{BB962C8B-B14F-4D97-AF65-F5344CB8AC3E}">
+        <p14:creationId xmlns:p14="http://schemas.microsoft.com/office/powerpoint/2010/main" val="4178564752"/>
+      </p:ext>
+    </p:extLst>
+  </p:cSld>
+  <p:clrMapOvr>
+    <a:masterClrMapping/>
+  </p:clrMapOvr>
+  <mc:AlternateContent xmlns:mc="http://schemas.openxmlformats.org/markup-compatibility/2006" xmlns:p14="http://schemas.microsoft.com/office/powerpoint/2010/main">
+    <mc:Choice Requires="p14">
+      <p:transition spd="slow" p14:dur="2000"/>
+    </mc:Choice>
+    <mc:Fallback xmlns="">
+      <p:transition spd="slow"/>
+    </mc:Fallback>
+  </mc:AlternateContent>
+  <p:timing>
+    <p:tnLst>
+      <p:par>
+        <p:cTn xmlns:p14="http://schemas.microsoft.com/office/powerpoint/2010/main" id="1" dur="indefinite" restart="never" nodeType="tmRoot"/>
+      </p:par>
+    </p:tnLst>
+  </p:timing>
+</p:sld>
+</file>
+
+<file path=ppt/slides/slide5.xml><?xml version="1.0" encoding="utf-8"?>
+<p:sld xmlns:a="http://schemas.openxmlformats.org/drawingml/2006/main" xmlns:r="http://schemas.openxmlformats.org/officeDocument/2006/relationships" xmlns:p="http://schemas.openxmlformats.org/presentationml/2006/main">
+  <p:cSld>
+    <p:spTree>
+      <p:nvGrpSpPr>
+        <p:cNvPr id="1" name=""/>
+        <p:cNvGrpSpPr/>
+        <p:nvPr/>
+      </p:nvGrpSpPr>
+      <p:grpSpPr>
+        <a:xfrm>
+          <a:off x="0" y="0"/>
+          <a:ext cx="0" cy="0"/>
+          <a:chOff x="0" y="0"/>
+          <a:chExt cx="0" cy="0"/>
+        </a:xfrm>
+      </p:grpSpPr>
+      <p:sp>
+        <p:nvSpPr>
+          <p:cNvPr id="2" name="Title 1"/>
+          <p:cNvSpPr>
+            <a:spLocks noGrp="1"/>
+          </p:cNvSpPr>
+          <p:nvPr>
+            <p:ph type="title"/>
+          </p:nvPr>
+        </p:nvSpPr>
+        <p:spPr/>
+        <p:txBody>
+          <a:bodyPr/>
+          <a:lstStyle/>
+          <a:p>
+            <a:pPr lvl="0"/>
+            <a:r>
+              <a:rPr lang="en-US" smtClean="0"/>
+              <a:t>Setting Expectations</a:t>
+            </a:r>
+            <a:endParaRPr lang="en-US" dirty="0"/>
+          </a:p>
+        </p:txBody>
+      </p:sp>
+      <p:sp>
+        <p:nvSpPr>
+          <p:cNvPr id="3" name="Content Placeholder 2"/>
+          <p:cNvSpPr>
+            <a:spLocks noGrp="1"/>
+          </p:cNvSpPr>
+          <p:nvPr>
+            <p:ph sz="quarter" idx="10"/>
+          </p:nvPr>
+        </p:nvSpPr>
+        <p:spPr/>
+        <p:txBody>
+          <a:bodyPr/>
+          <a:lstStyle/>
+          <a:p>
+            <a:r>
+              <a:rPr lang="en-US" dirty="0" smtClean="0"/>
+              <a:t>Target Audience</a:t>
+            </a:r>
+          </a:p>
+          <a:p>
+            <a:pPr marL="457046" lvl="1" indent="0">
+              <a:buNone/>
+            </a:pPr>
+            <a:r>
+              <a:rPr lang="en-US" dirty="0" smtClean="0"/>
+              <a:t>Beginner/intermediate web developers</a:t>
+            </a:r>
+          </a:p>
+          <a:p>
+            <a:pPr marL="457046" lvl="1" indent="0">
+              <a:buNone/>
+            </a:pPr>
+            <a:endParaRPr lang="en-US" dirty="0" smtClean="0"/>
+          </a:p>
+          <a:p>
+            <a:r>
+              <a:rPr lang="en-US" dirty="0" smtClean="0"/>
+              <a:t>Suggested Prerequisites/Supporting Material</a:t>
+            </a:r>
+          </a:p>
+          <a:p>
+            <a:pPr lvl="1"/>
+            <a:r>
+              <a:rPr lang="en-US" dirty="0" smtClean="0"/>
+              <a:t>Strong grasp of </a:t>
+            </a:r>
+            <a:r>
+              <a:rPr lang="en-US" dirty="0" err="1" smtClean="0"/>
+              <a:t>Javascript</a:t>
+            </a:r>
+            <a:endParaRPr lang="en-US" dirty="0" smtClean="0"/>
+          </a:p>
+          <a:p>
+            <a:pPr lvl="1"/>
+            <a:r>
+              <a:rPr lang="en-US" dirty="0" smtClean="0"/>
+              <a:t>Familiarity with HTML/CSS, Twitter Bootstrap</a:t>
+            </a:r>
+          </a:p>
+          <a:p>
+            <a:pPr lvl="1"/>
+            <a:r>
+              <a:rPr lang="en-US" dirty="0" smtClean="0"/>
+              <a:t>Introduction to </a:t>
+            </a:r>
+            <a:r>
+              <a:rPr lang="en-US" dirty="0" err="1" smtClean="0"/>
+              <a:t>AngularJS</a:t>
+            </a:r>
+            <a:r>
+              <a:rPr lang="en-US" dirty="0" smtClean="0"/>
+              <a:t> MVA</a:t>
+            </a:r>
+          </a:p>
+          <a:p>
+            <a:pPr lvl="1"/>
+            <a:r>
+              <a:rPr lang="en-US" dirty="0" smtClean="0"/>
+              <a:t>You’ve got Documents! A </a:t>
+            </a:r>
+            <a:r>
+              <a:rPr lang="en-US" dirty="0" err="1" smtClean="0"/>
+              <a:t>MongoDB</a:t>
+            </a:r>
+            <a:r>
+              <a:rPr lang="en-US" dirty="0" smtClean="0"/>
+              <a:t> Jumpstart</a:t>
+            </a:r>
+            <a:endParaRPr lang="en-US" dirty="0"/>
+          </a:p>
+          <a:p>
+            <a:pPr lvl="1"/>
+            <a:endParaRPr lang="en-US" dirty="0" smtClean="0"/>
+          </a:p>
+        </p:txBody>
+      </p:sp>
+    </p:spTree>
+    <p:extLst>
+      <p:ext uri="{BB962C8B-B14F-4D97-AF65-F5344CB8AC3E}">
+        <p14:creationId xmlns:p14="http://schemas.microsoft.com/office/powerpoint/2010/main" val="1967407312"/>
+      </p:ext>
+    </p:extLst>
+  </p:cSld>
+  <p:clrMapOvr>
+    <a:masterClrMapping/>
+  </p:clrMapOvr>
+  <p:timing>
+    <p:tnLst>
+      <p:par>
+        <p:cTn xmlns:p14="http://schemas.microsoft.com/office/powerpoint/2010/main" id="1" dur="indefinite" restart="never" nodeType="tmRoot"/>
+      </p:par>
+    </p:tnLst>
+  </p:timing>
+</p:sld>
+</file>
+
+<file path=ppt/slides/slide6.xml><?xml version="1.0" encoding="utf-8"?>
+<p:sld xmlns:a="http://schemas.openxmlformats.org/drawingml/2006/main" xmlns:r="http://schemas.openxmlformats.org/officeDocument/2006/relationships" xmlns:p="http://schemas.openxmlformats.org/presentationml/2006/main">
+  <p:cSld>
+    <p:spTree>
+      <p:nvGrpSpPr>
+        <p:cNvPr id="1" name=""/>
+        <p:cNvGrpSpPr/>
+        <p:nvPr/>
+      </p:nvGrpSpPr>
+      <p:grpSpPr>
+        <a:xfrm>
+          <a:off x="0" y="0"/>
+          <a:ext cx="0" cy="0"/>
+          <a:chOff x="0" y="0"/>
+          <a:chExt cx="0" cy="0"/>
+        </a:xfrm>
+      </p:grpSpPr>
+      <p:sp>
+        <p:nvSpPr>
+          <p:cNvPr id="2" name="Content Placeholder 1"/>
+          <p:cNvSpPr>
+            <a:spLocks noGrp="1"/>
+          </p:cNvSpPr>
+          <p:nvPr>
+            <p:ph sz="quarter" idx="10"/>
+          </p:nvPr>
+        </p:nvSpPr>
+        <p:spPr>
+          <a:xfrm>
+            <a:off x="277813" y="1427918"/>
+            <a:ext cx="11525250" cy="5290388"/>
+          </a:xfrm>
+        </p:spPr>
+        <p:txBody>
+          <a:bodyPr/>
+          <a:lstStyle/>
+          <a:p>
+            <a:r>
+              <a:rPr lang="en-US" dirty="0"/>
+              <a:t>Microsoft Virtual Academy</a:t>
+            </a:r>
+          </a:p>
+          <a:p>
+            <a:pPr lvl="1"/>
+            <a:r>
+              <a:rPr lang="en-US" dirty="0"/>
+              <a:t>Free online learning tailored for IT Pros and Developers </a:t>
+            </a:r>
+          </a:p>
+          <a:p>
+            <a:pPr lvl="1"/>
+            <a:r>
+              <a:rPr lang="en-US" dirty="0"/>
+              <a:t>Over 2M registered users</a:t>
+            </a:r>
+          </a:p>
+          <a:p>
+            <a:pPr lvl="1"/>
+            <a:r>
+              <a:rPr lang="en-US" dirty="0"/>
+              <a:t>Up-to-date, relevant training on variety of Microsoft </a:t>
+            </a:r>
+            <a:r>
+              <a:rPr lang="en-US" dirty="0" smtClean="0"/>
+              <a:t>products</a:t>
+            </a:r>
+            <a:endParaRPr lang="en-US" dirty="0"/>
+          </a:p>
+        </p:txBody>
+      </p:sp>
+      <p:sp>
+        <p:nvSpPr>
+          <p:cNvPr id="3" name="Title 2"/>
+          <p:cNvSpPr>
+            <a:spLocks noGrp="1"/>
+          </p:cNvSpPr>
+          <p:nvPr>
+            <p:ph type="title"/>
+          </p:nvPr>
+        </p:nvSpPr>
+        <p:spPr>
+          <a:xfrm>
+            <a:off x="-367266" y="182215"/>
+            <a:ext cx="11416266" cy="1063487"/>
+          </a:xfrm>
+        </p:spPr>
+        <p:txBody>
+          <a:bodyPr/>
+          <a:lstStyle/>
+          <a:p>
+            <a:r>
+              <a:rPr lang="en-US" dirty="0" smtClean="0"/>
+              <a:t>     Join the MVA Community!</a:t>
+            </a:r>
+            <a:endParaRPr lang="en-US" dirty="0"/>
+          </a:p>
+        </p:txBody>
+      </p:sp>
+    </p:spTree>
+    <p:extLst>
+      <p:ext uri="{BB962C8B-B14F-4D97-AF65-F5344CB8AC3E}">
+        <p14:creationId xmlns:p14="http://schemas.microsoft.com/office/powerpoint/2010/main" val="3654709363"/>
+      </p:ext>
+    </p:extLst>
+  </p:cSld>
+  <p:clrMapOvr>
+    <a:masterClrMapping/>
+  </p:clrMapOvr>
+  <mc:AlternateContent xmlns:mc="http://schemas.openxmlformats.org/markup-compatibility/2006" xmlns:p14="http://schemas.microsoft.com/office/powerpoint/2010/main">
+    <mc:Choice Requires="p14">
+      <p:transition spd="med" p14:dur="700">
+        <p:fade/>
+      </p:transition>
+    </mc:Choice>
+    <mc:Fallback xmlns="">
+      <p:transition spd="med">
+        <p:fade/>
+      </p:transition>
+    </mc:Fallback>
+  </mc:AlternateContent>
+  <p:timing>
+    <p:tnLst>
+      <p:par>
+        <p:cTn xmlns:p14="http://schemas.microsoft.com/office/powerpoint/2010/main" id="1" dur="indefinite" restart="never" nodeType="tmRoot"/>
+      </p:par>
+    </p:tnLst>
+  </p:timing>
+</p:sld>
+</file>
+
+<file path=ppt/slides/slide7.xml><?xml version="1.0" encoding="utf-8"?>
+<p:sld xmlns:a="http://schemas.openxmlformats.org/drawingml/2006/main" xmlns:r="http://schemas.openxmlformats.org/officeDocument/2006/relationships" xmlns:p="http://schemas.openxmlformats.org/presentationml/2006/main">
+  <p:cSld>
+    <p:spTree>
+      <p:nvGrpSpPr>
+        <p:cNvPr id="1" name=""/>
+        <p:cNvGrpSpPr/>
+        <p:nvPr/>
+      </p:nvGrpSpPr>
+      <p:grpSpPr>
+        <a:xfrm>
+          <a:off x="0" y="0"/>
+          <a:ext cx="0" cy="0"/>
+          <a:chOff x="0" y="0"/>
+          <a:chExt cx="0" cy="0"/>
+        </a:xfrm>
+      </p:grpSpPr>
+      <p:sp>
+        <p:nvSpPr>
+          <p:cNvPr id="5" name="Text Placeholder 4"/>
+          <p:cNvSpPr>
+            <a:spLocks noGrp="1"/>
+          </p:cNvSpPr>
+          <p:nvPr>
+            <p:ph type="body" sz="quarter" idx="10"/>
+          </p:nvPr>
+        </p:nvSpPr>
+        <p:spPr>
+          <a:solidFill>
+            <a:srgbClr val="007233"/>
+          </a:solidFill>
+          <a:ln>
+            <a:noFill/>
+          </a:ln>
+        </p:spPr>
+        <p:txBody>
+          <a:bodyPr/>
+          <a:lstStyle/>
+          <a:p>
+            <a:pPr marL="914400" indent="-914400"/>
+            <a:r>
+              <a:rPr lang="en-US" dirty="0" smtClean="0"/>
+              <a:t>01 | What is MEAN?</a:t>
+            </a:r>
+            <a:endParaRPr lang="en-US" dirty="0"/>
+          </a:p>
+        </p:txBody>
+      </p:sp>
+      <p:sp>
+        <p:nvSpPr>
+          <p:cNvPr id="4" name="Subtitle 3"/>
+          <p:cNvSpPr>
+            <a:spLocks noGrp="1"/>
+          </p:cNvSpPr>
+          <p:nvPr>
+            <p:ph type="subTitle" idx="1"/>
+          </p:nvPr>
+        </p:nvSpPr>
+        <p:spPr/>
+        <p:txBody>
+          <a:bodyPr/>
+          <a:lstStyle/>
+          <a:p>
+            <a:r>
+              <a:rPr lang="en-US" dirty="0"/>
+              <a:t>Helen Zeng | Startup Developer Evangelist</a:t>
+            </a:r>
+          </a:p>
+          <a:p>
+            <a:r>
+              <a:rPr lang="en-US" dirty="0"/>
+              <a:t>Steven </a:t>
+            </a:r>
+            <a:r>
+              <a:rPr lang="en-US" dirty="0" err="1"/>
+              <a:t>Edouard</a:t>
+            </a:r>
+            <a:r>
+              <a:rPr lang="en-US" dirty="0"/>
+              <a:t> | Startup Developer Evangelist</a:t>
+            </a:r>
+          </a:p>
+        </p:txBody>
+      </p:sp>
+    </p:spTree>
+    <p:extLst>
+      <p:ext uri="{BB962C8B-B14F-4D97-AF65-F5344CB8AC3E}">
+        <p14:creationId xmlns:p14="http://schemas.microsoft.com/office/powerpoint/2010/main" val="897692544"/>
+      </p:ext>
+    </p:extLst>
+  </p:cSld>
+  <p:clrMapOvr>
+    <a:masterClrMapping/>
+  </p:clrMapOvr>
+  <p:timing>
+    <p:tnLst>
+      <p:par>
+        <p:cTn xmlns:p14="http://schemas.microsoft.com/office/powerpoint/2010/main" id="1" dur="indefinite" restart="never" nodeType="tmRoot"/>
+      </p:par>
+    </p:tnLst>
+  </p:timing>
+</p:sld>
+</file>
+
+<file path=ppt/slides/slide8.xml><?xml version="1.0" encoding="utf-8"?>
+<p:sld xmlns:a="http://schemas.openxmlformats.org/drawingml/2006/main" xmlns:r="http://schemas.openxmlformats.org/officeDocument/2006/relationships" xmlns:p="http://schemas.openxmlformats.org/presentationml/2006/main">
+  <p:cSld>
+    <p:spTree>
+      <p:nvGrpSpPr>
+        <p:cNvPr id="1" name=""/>
+        <p:cNvGrpSpPr/>
+        <p:nvPr/>
+      </p:nvGrpSpPr>
+      <p:grpSpPr>
+        <a:xfrm>
+          <a:off x="0" y="0"/>
+          <a:ext cx="0" cy="0"/>
+          <a:chOff x="0" y="0"/>
+          <a:chExt cx="0" cy="0"/>
+        </a:xfrm>
+      </p:grpSpPr>
+      <p:sp>
+        <p:nvSpPr>
+          <p:cNvPr id="7" name="Content Placeholder 6"/>
+          <p:cNvSpPr>
+            <a:spLocks noGrp="1"/>
+          </p:cNvSpPr>
+          <p:nvPr>
+            <p:ph sz="quarter" idx="10"/>
+          </p:nvPr>
+        </p:nvSpPr>
+        <p:spPr/>
+        <p:txBody>
+          <a:bodyPr>
+            <a:normAutofit/>
+          </a:bodyPr>
+          <a:lstStyle/>
+          <a:p>
+            <a:r>
+              <a:rPr lang="en-GB" dirty="0" smtClean="0"/>
+              <a:t>Why use the MEAN stack?</a:t>
+            </a:r>
+          </a:p>
+          <a:p>
+            <a:r>
+              <a:rPr lang="en-GB" dirty="0" err="1" smtClean="0"/>
+              <a:t>Angular.js</a:t>
+            </a:r>
+            <a:endParaRPr lang="en-GB" dirty="0" smtClean="0"/>
+          </a:p>
+          <a:p>
+            <a:r>
+              <a:rPr lang="en-GB" dirty="0" err="1" smtClean="0"/>
+              <a:t>Node.js</a:t>
+            </a:r>
+            <a:endParaRPr lang="en-GB" dirty="0" smtClean="0"/>
+          </a:p>
+          <a:p>
+            <a:r>
+              <a:rPr lang="en-GB" dirty="0" smtClean="0"/>
+              <a:t>Express</a:t>
+            </a:r>
+          </a:p>
+          <a:p>
+            <a:r>
+              <a:rPr lang="en-GB" dirty="0" err="1" smtClean="0"/>
+              <a:t>MongoDB</a:t>
+            </a:r>
+            <a:endParaRPr lang="en-GB" dirty="0"/>
+          </a:p>
+        </p:txBody>
+      </p:sp>
+      <p:sp>
+        <p:nvSpPr>
+          <p:cNvPr id="2" name="Title 1"/>
+          <p:cNvSpPr>
+            <a:spLocks noGrp="1"/>
+          </p:cNvSpPr>
+          <p:nvPr>
+            <p:ph type="title"/>
+          </p:nvPr>
+        </p:nvSpPr>
+        <p:spPr/>
+        <p:txBody>
+          <a:bodyPr/>
+          <a:lstStyle/>
+          <a:p>
+            <a:r>
+              <a:rPr lang="en-US" smtClean="0"/>
+              <a:t>Module Overview</a:t>
+            </a:r>
+            <a:endParaRPr lang="en-US" dirty="0"/>
+          </a:p>
+        </p:txBody>
+      </p:sp>
+    </p:spTree>
+    <p:extLst>
+      <p:ext uri="{BB962C8B-B14F-4D97-AF65-F5344CB8AC3E}">
+        <p14:creationId xmlns:p14="http://schemas.microsoft.com/office/powerpoint/2010/main" val="318349970"/>
+      </p:ext>
+    </p:extLst>
+  </p:cSld>
+  <p:clrMapOvr>
+    <a:masterClrMapping/>
+  </p:clrMapOvr>
+  <p:timing>
+    <p:tnLst>
+      <p:par>
+        <p:cTn xmlns:p14="http://schemas.microsoft.com/office/powerpoint/2010/main" id="1" dur="indefinite" restart="never" nodeType="tmRoot"/>
+      </p:par>
+    </p:tnLst>
+  </p:timing>
+</p:sld>
+</file>
+
+<file path=ppt/slides/slide9.xml><?xml version="1.0" encoding="utf-8"?>
+<p:sld xmlns:a="http://schemas.openxmlformats.org/drawingml/2006/main" xmlns:r="http://schemas.openxmlformats.org/officeDocument/2006/relationships" xmlns:p="http://schemas.openxmlformats.org/presentationml/2006/main">
+  <p:cSld>
+    <p:spTree>
+      <p:nvGrpSpPr>
+        <p:cNvPr id="1" name=""/>
+        <p:cNvGrpSpPr/>
+        <p:nvPr/>
+      </p:nvGrpSpPr>
+      <p:grpSpPr>
+        <a:xfrm>
+          <a:off x="0" y="0"/>
+          <a:ext cx="0" cy="0"/>
+          <a:chOff x="0" y="0"/>
+          <a:chExt cx="0" cy="0"/>
+        </a:xfrm>
+      </p:grpSpPr>
+      <p:sp>
+        <p:nvSpPr>
+          <p:cNvPr id="2" name="Title 1"/>
+          <p:cNvSpPr>
+            <a:spLocks noGrp="1"/>
+          </p:cNvSpPr>
+          <p:nvPr>
+            <p:ph type="title"/>
+          </p:nvPr>
+        </p:nvSpPr>
+        <p:spPr/>
+        <p:txBody>
+          <a:bodyPr/>
+          <a:lstStyle/>
+          <a:p>
+            <a:r>
+              <a:rPr lang="en-US" dirty="0" smtClean="0"/>
+              <a:t>Why use the MEAN stack?</a:t>
+            </a:r>
+            <a:endParaRPr lang="en-US" dirty="0"/>
+          </a:p>
+        </p:txBody>
+      </p:sp>
+      <p:sp>
+        <p:nvSpPr>
+          <p:cNvPr id="3" name="Content Placeholder 2"/>
+          <p:cNvSpPr>
+            <a:spLocks noGrp="1"/>
+          </p:cNvSpPr>
+          <p:nvPr>
+            <p:ph sz="quarter" idx="10"/>
+          </p:nvPr>
+        </p:nvSpPr>
+        <p:spPr/>
+        <p:txBody>
+          <a:bodyPr/>
+          <a:lstStyle/>
+          <a:p>
+            <a:r>
+              <a:rPr lang="en-US" dirty="0" smtClean="0">
+                <a:latin typeface="Segoe UI Light"/>
+                <a:cs typeface="Segoe UI Light"/>
+              </a:rPr>
+              <a:t>One language to rule them all</a:t>
+            </a:r>
+            <a:endParaRPr lang="en-US" dirty="0">
+              <a:latin typeface="Segoe UI Light"/>
+              <a:cs typeface="Segoe UI Light"/>
+            </a:endParaRPr>
+          </a:p>
+          <a:p>
+            <a:r>
+              <a:rPr lang="en-US" dirty="0" smtClean="0">
+                <a:latin typeface="Segoe UI Light"/>
+                <a:cs typeface="Segoe UI Light"/>
+              </a:rPr>
+              <a:t>ALL open source</a:t>
+            </a:r>
+          </a:p>
+          <a:p>
+            <a:r>
+              <a:rPr lang="en-US" dirty="0" smtClean="0">
+                <a:latin typeface="Segoe UI Light"/>
+                <a:cs typeface="Segoe UI Light"/>
+              </a:rPr>
+              <a:t>Huge module library</a:t>
+            </a:r>
+          </a:p>
+          <a:p>
+            <a:r>
+              <a:rPr lang="en-US" dirty="0" smtClean="0"/>
+              <a:t>Get started quickly</a:t>
+            </a:r>
+          </a:p>
+        </p:txBody>
+      </p:sp>
+    </p:spTree>
+    <p:extLst>
+      <p:ext uri="{BB962C8B-B14F-4D97-AF65-F5344CB8AC3E}">
+        <p14:creationId xmlns:p14="http://schemas.microsoft.com/office/powerpoint/2010/main" val="255798916"/>
       </p:ext>
     </p:extLst>
   </p:cSld>

--- a/slides/module1.pptx
+++ b/slides/module1.pptx
@@ -129,10 +129,10 @@
   </p:defaultTextStyle>
   <p:extLst>
     <p:ext uri="{EFAFB233-063F-42B5-8137-9DF3F51BA10A}">
-      <p15:sldGuideLst xmlns:p15="http://schemas.microsoft.com/office/powerpoint/2012/main" xmlns=""/>
+      <p15:sldGuideLst xmlns="" xmlns:p15="http://schemas.microsoft.com/office/powerpoint/2012/main"/>
     </p:ext>
     <p:ext uri="{2D200454-40CA-4A62-9FC3-DE9A4176ACB9}">
-      <p15:notesGuideLst xmlns:p15="http://schemas.microsoft.com/office/powerpoint/2012/main" xmlns=""/>
+      <p15:notesGuideLst xmlns="" xmlns:p15="http://schemas.microsoft.com/office/powerpoint/2012/main"/>
     </p:ext>
   </p:extLst>
 </p:presentation>
@@ -1834,7 +1834,7 @@
   </p:timing>
   <p:extLst mod="1">
     <p:ext uri="{DCECCB84-F9BA-43D5-87BE-67443E8EF086}">
-      <p15:sldGuideLst xmlns:p15="http://schemas.microsoft.com/office/powerpoint/2012/main" xmlns="">
+      <p15:sldGuideLst xmlns="" xmlns:p15="http://schemas.microsoft.com/office/powerpoint/2012/main">
         <p15:guide id="1" orient="horz" pos="3792">
           <p15:clr>
             <a:srgbClr val="FBAE40"/>
@@ -2493,7 +2493,7 @@
   </p:timing>
   <p:extLst mod="1">
     <p:ext uri="{DCECCB84-F9BA-43D5-87BE-67443E8EF086}">
-      <p15:sldGuideLst xmlns:p15="http://schemas.microsoft.com/office/powerpoint/2012/main" xmlns="">
+      <p15:sldGuideLst xmlns="" xmlns:p15="http://schemas.microsoft.com/office/powerpoint/2012/main">
         <p15:guide id="1" orient="horz" pos="2160">
           <p15:clr>
             <a:srgbClr val="FBAE40"/>
@@ -5387,7 +5387,7 @@
             <p:ph sz="quarter" idx="10"/>
             <p:extLst>
               <p:ext uri="{D42A27DB-BD31-4B8C-83A1-F6EECF244321}">
-                <p14:modId xmlns:p14="http://schemas.microsoft.com/office/powerpoint/2010/main" val="2961308638"/>
+                <p14:modId xmlns:p14="http://schemas.microsoft.com/office/powerpoint/2010/main" val="2763890495"/>
               </p:ext>
             </p:extLst>
           </p:nvPr>
@@ -5406,14 +5406,14 @@
                 <a:gridCol w="5762625">
                   <a:extLst>
                     <a:ext uri="{9D8B030D-6E8A-4147-A177-3AD203B41FA5}">
-                      <a16:colId xmlns="" xmlns:a16="http://schemas.microsoft.com/office/drawing/2014/main" val="1632794655"/>
+                      <a16:colId xmlns:a16="http://schemas.microsoft.com/office/drawing/2014/main" xmlns="" val="1632794655"/>
                     </a:ext>
                   </a:extLst>
                 </a:gridCol>
                 <a:gridCol w="5762625">
                   <a:extLst>
                     <a:ext uri="{9D8B030D-6E8A-4147-A177-3AD203B41FA5}">
-                      <a16:colId xmlns="" xmlns:a16="http://schemas.microsoft.com/office/drawing/2014/main" val="2011313899"/>
+                      <a16:colId xmlns:a16="http://schemas.microsoft.com/office/drawing/2014/main" xmlns="" val="2011313899"/>
                     </a:ext>
                   </a:extLst>
                 </a:gridCol>
@@ -5448,7 +5448,7 @@
                 </a:tc>
                 <a:extLst>
                   <a:ext uri="{0D108BD9-81ED-4DB2-BD59-A6C34878D82A}">
-                    <a16:rowId xmlns="" xmlns:a16="http://schemas.microsoft.com/office/drawing/2014/main" val="1789177411"/>
+                    <a16:rowId xmlns:a16="http://schemas.microsoft.com/office/drawing/2014/main" xmlns="" val="1789177411"/>
                   </a:ext>
                 </a:extLst>
               </a:tr>
@@ -5490,7 +5490,14 @@
                           <a:latin typeface="Segoe UI Light" panose="020B0502040204020203" pitchFamily="34" charset="0"/>
                           <a:cs typeface="Segoe UI Light" panose="020B0502040204020203" pitchFamily="34" charset="0"/>
                         </a:rPr>
-                        <a:t>05 | Integrating</a:t>
+                        <a:t>04 </a:t>
+                      </a:r>
+                      <a:r>
+                        <a:rPr lang="en-US" sz="2400" dirty="0" smtClean="0">
+                          <a:latin typeface="Segoe UI Light" panose="020B0502040204020203" pitchFamily="34" charset="0"/>
+                          <a:cs typeface="Segoe UI Light" panose="020B0502040204020203" pitchFamily="34" charset="0"/>
+                        </a:rPr>
+                        <a:t>| Integrating</a:t>
                       </a:r>
                       <a:r>
                         <a:rPr lang="en-US" sz="2400" baseline="0" dirty="0" smtClean="0">
@@ -5516,7 +5523,7 @@
                 </a:tc>
                 <a:extLst>
                   <a:ext uri="{0D108BD9-81ED-4DB2-BD59-A6C34878D82A}">
-                    <a16:rowId xmlns="" xmlns:a16="http://schemas.microsoft.com/office/drawing/2014/main" val="3842815335"/>
+                    <a16:rowId xmlns:a16="http://schemas.microsoft.com/office/drawing/2014/main" xmlns="" val="3842815335"/>
                   </a:ext>
                 </a:extLst>
               </a:tr>
@@ -5558,7 +5565,14 @@
                           <a:latin typeface="Segoe UI Light" panose="020B0502040204020203" pitchFamily="34" charset="0"/>
                           <a:cs typeface="Segoe UI Light" panose="020B0502040204020203" pitchFamily="34" charset="0"/>
                         </a:rPr>
-                        <a:t>06 |  Tying things together</a:t>
+                        <a:t>05 </a:t>
+                      </a:r>
+                      <a:r>
+                        <a:rPr lang="en-US" sz="2400" dirty="0" smtClean="0">
+                          <a:latin typeface="Segoe UI Light" panose="020B0502040204020203" pitchFamily="34" charset="0"/>
+                          <a:cs typeface="Segoe UI Light" panose="020B0502040204020203" pitchFamily="34" charset="0"/>
+                        </a:rPr>
+                        <a:t>|  Tying things together</a:t>
                       </a:r>
                       <a:endParaRPr lang="en-US" sz="2400" dirty="0">
                         <a:latin typeface="Segoe UI Light" panose="020B0502040204020203" pitchFamily="34" charset="0"/>
@@ -5570,7 +5584,7 @@
                 </a:tc>
                 <a:extLst>
                   <a:ext uri="{0D108BD9-81ED-4DB2-BD59-A6C34878D82A}">
-                    <a16:rowId xmlns="" xmlns:a16="http://schemas.microsoft.com/office/drawing/2014/main" val="321066646"/>
+                    <a16:rowId xmlns:a16="http://schemas.microsoft.com/office/drawing/2014/main" xmlns="" val="321066646"/>
                   </a:ext>
                 </a:extLst>
               </a:tr>
@@ -5628,11 +5642,18 @@
                     <a:lstStyle/>
                     <a:p>
                       <a:r>
+                        <a:rPr lang="en-US" sz="2400" smtClean="0">
+                          <a:latin typeface="Segoe UI Light" panose="020B0502040204020203" pitchFamily="34" charset="0"/>
+                          <a:cs typeface="Segoe UI Light" panose="020B0502040204020203" pitchFamily="34" charset="0"/>
+                        </a:rPr>
+                        <a:t>06 </a:t>
+                      </a:r>
+                      <a:r>
                         <a:rPr lang="en-US" sz="2400" dirty="0" smtClean="0">
                           <a:latin typeface="Segoe UI Light" panose="020B0502040204020203" pitchFamily="34" charset="0"/>
                           <a:cs typeface="Segoe UI Light" panose="020B0502040204020203" pitchFamily="34" charset="0"/>
                         </a:rPr>
-                        <a:t>07 | Deployment</a:t>
+                        <a:t>| Deployment</a:t>
                       </a:r>
                       <a:r>
                         <a:rPr lang="en-US" sz="2400" baseline="0" dirty="0" smtClean="0">
@@ -5658,7 +5679,7 @@
                 </a:tc>
                 <a:extLst>
                   <a:ext uri="{0D108BD9-81ED-4DB2-BD59-A6C34878D82A}">
-                    <a16:rowId xmlns="" xmlns:a16="http://schemas.microsoft.com/office/drawing/2014/main" val="3812060533"/>
+                    <a16:rowId xmlns:a16="http://schemas.microsoft.com/office/drawing/2014/main" xmlns="" val="3812060533"/>
                   </a:ext>
                 </a:extLst>
               </a:tr>
@@ -6843,7 +6864,7 @@
   <a:extraClrSchemeLst/>
   <a:extLst>
     <a:ext uri="{05A4C25C-085E-4340-85A3-A5531E510DB2}">
-      <thm15:themeFamily xmlns:thm15="http://schemas.microsoft.com/office/thememl/2012/main" xmlns="" name="Office Theme" id="{62F939B6-93AF-4DB8-9C6B-D6C7DFDC589F}" vid="{4A3C46E8-61CC-4603-A589-7422A47A8E4A}"/>
+      <thm15:themeFamily xmlns="" xmlns:thm15="http://schemas.microsoft.com/office/thememl/2012/main" name="Office Theme" id="{62F939B6-93AF-4DB8-9C6B-D6C7DFDC589F}" vid="{4A3C46E8-61CC-4603-A589-7422A47A8E4A}"/>
     </a:ext>
   </a:extLst>
 </a:theme>
@@ -7104,7 +7125,7 @@
   <a:extraClrSchemeLst/>
   <a:extLst>
     <a:ext uri="{05A4C25C-085E-4340-85A3-A5531E510DB2}">
-      <thm15:themeFamily xmlns:thm15="http://schemas.microsoft.com/office/thememl/2012/main" xmlns="" name="Office Theme" id="{62F939B6-93AF-4DB8-9C6B-D6C7DFDC589F}" vid="{4A3C46E8-61CC-4603-A589-7422A47A8E4A}"/>
+      <thm15:themeFamily xmlns="" xmlns:thm15="http://schemas.microsoft.com/office/thememl/2012/main" name="Office Theme" id="{62F939B6-93AF-4DB8-9C6B-D6C7DFDC589F}" vid="{4A3C46E8-61CC-4603-A589-7422A47A8E4A}"/>
     </a:ext>
   </a:extLst>
 </a:theme>

--- a/slides/module1.pptx
+++ b/slides/module1.pptx
@@ -129,10 +129,10 @@
   </p:defaultTextStyle>
   <p:extLst>
     <p:ext uri="{EFAFB233-063F-42B5-8137-9DF3F51BA10A}">
-      <p15:sldGuideLst xmlns="" xmlns:p15="http://schemas.microsoft.com/office/powerpoint/2012/main"/>
+      <p15:sldGuideLst xmlns:p15="http://schemas.microsoft.com/office/powerpoint/2012/main" xmlns=""/>
     </p:ext>
     <p:ext uri="{2D200454-40CA-4A62-9FC3-DE9A4176ACB9}">
-      <p15:notesGuideLst xmlns="" xmlns:p15="http://schemas.microsoft.com/office/powerpoint/2012/main"/>
+      <p15:notesGuideLst xmlns:p15="http://schemas.microsoft.com/office/powerpoint/2012/main" xmlns=""/>
     </p:ext>
   </p:extLst>
 </p:presentation>
@@ -1834,7 +1834,7 @@
   </p:timing>
   <p:extLst mod="1">
     <p:ext uri="{DCECCB84-F9BA-43D5-87BE-67443E8EF086}">
-      <p15:sldGuideLst xmlns="" xmlns:p15="http://schemas.microsoft.com/office/powerpoint/2012/main">
+      <p15:sldGuideLst xmlns:p15="http://schemas.microsoft.com/office/powerpoint/2012/main" xmlns="">
         <p15:guide id="1" orient="horz" pos="3792">
           <p15:clr>
             <a:srgbClr val="FBAE40"/>
@@ -2493,7 +2493,7 @@
   </p:timing>
   <p:extLst mod="1">
     <p:ext uri="{DCECCB84-F9BA-43D5-87BE-67443E8EF086}">
-      <p15:sldGuideLst xmlns="" xmlns:p15="http://schemas.microsoft.com/office/powerpoint/2012/main">
+      <p15:sldGuideLst xmlns:p15="http://schemas.microsoft.com/office/powerpoint/2012/main" xmlns="">
         <p15:guide id="1" orient="horz" pos="2160">
           <p15:clr>
             <a:srgbClr val="FBAE40"/>
@@ -4360,11 +4360,11 @@
           <a:p>
             <a:r>
               <a:rPr lang="en-US" dirty="0" smtClean="0"/>
-              <a:t>Easy </a:t>
-            </a:r>
-            <a:r>
-              <a:rPr lang="en-US" smtClean="0"/>
-              <a:t>to test</a:t>
+              <a:t>Easy to </a:t>
+            </a:r>
+            <a:r>
+              <a:rPr lang="en-US" dirty="0" smtClean="0"/>
+              <a:t>test</a:t>
             </a:r>
             <a:endParaRPr lang="en-US" dirty="0" smtClean="0"/>
           </a:p>
@@ -4465,7 +4465,78 @@
           <a:bodyPr/>
           <a:lstStyle/>
           <a:p>
-            <a:endParaRPr lang="en-US"/>
+            <a:pPr marL="0" indent="0">
+              <a:buNone/>
+            </a:pPr>
+            <a:r>
+              <a:rPr lang="en-US" dirty="0">
+                <a:hlinkClick r:id="rId2"/>
+              </a:rPr>
+              <a:t>https://docs.angularjs.org/misc/</a:t>
+            </a:r>
+            <a:r>
+              <a:rPr lang="en-US" dirty="0" smtClean="0">
+                <a:hlinkClick r:id="rId2"/>
+              </a:rPr>
+              <a:t>downloading</a:t>
+            </a:r>
+            <a:endParaRPr lang="en-US" dirty="0" smtClean="0"/>
+          </a:p>
+          <a:p>
+            <a:pPr marL="0" indent="0">
+              <a:buNone/>
+            </a:pPr>
+            <a:endParaRPr lang="en-US" dirty="0" smtClean="0"/>
+          </a:p>
+          <a:p>
+            <a:r>
+              <a:rPr lang="en-US" dirty="0" smtClean="0"/>
+              <a:t>Extremely lightweight – download/include only what you need</a:t>
+            </a:r>
+          </a:p>
+          <a:p>
+            <a:pPr lvl="1"/>
+            <a:r>
+              <a:rPr lang="en-US" b="1" dirty="0" err="1" smtClean="0"/>
+              <a:t>a</a:t>
+            </a:r>
+            <a:r>
+              <a:rPr lang="en-US" b="1" dirty="0" err="1" smtClean="0"/>
+              <a:t>ngular.js</a:t>
+            </a:r>
+            <a:endParaRPr lang="en-US" b="1" dirty="0" smtClean="0"/>
+          </a:p>
+          <a:p>
+            <a:pPr lvl="1"/>
+            <a:r>
+              <a:rPr lang="en-US" dirty="0" smtClean="0"/>
+              <a:t>angular-</a:t>
+            </a:r>
+            <a:r>
+              <a:rPr lang="en-US" dirty="0" err="1" smtClean="0"/>
+              <a:t>route.js</a:t>
+            </a:r>
+            <a:endParaRPr lang="en-US" dirty="0" smtClean="0"/>
+          </a:p>
+          <a:p>
+            <a:pPr lvl="1"/>
+            <a:r>
+              <a:rPr lang="en-US" dirty="0"/>
+              <a:t>a</a:t>
+            </a:r>
+            <a:r>
+              <a:rPr lang="en-US" dirty="0" smtClean="0"/>
+              <a:t>ngular-</a:t>
+            </a:r>
+            <a:r>
+              <a:rPr lang="en-US" dirty="0" err="1" smtClean="0"/>
+              <a:t>r</a:t>
+            </a:r>
+            <a:r>
+              <a:rPr lang="en-US" dirty="0" err="1" smtClean="0"/>
+              <a:t>esource.js</a:t>
+            </a:r>
+            <a:endParaRPr lang="en-US" dirty="0"/>
           </a:p>
         </p:txBody>
       </p:sp>
@@ -5406,14 +5477,14 @@
                 <a:gridCol w="5762625">
                   <a:extLst>
                     <a:ext uri="{9D8B030D-6E8A-4147-A177-3AD203B41FA5}">
-                      <a16:colId xmlns:a16="http://schemas.microsoft.com/office/drawing/2014/main" xmlns="" val="1632794655"/>
+                      <a16:colId xmlns="" xmlns:a16="http://schemas.microsoft.com/office/drawing/2014/main" val="1632794655"/>
                     </a:ext>
                   </a:extLst>
                 </a:gridCol>
                 <a:gridCol w="5762625">
                   <a:extLst>
                     <a:ext uri="{9D8B030D-6E8A-4147-A177-3AD203B41FA5}">
-                      <a16:colId xmlns:a16="http://schemas.microsoft.com/office/drawing/2014/main" xmlns="" val="2011313899"/>
+                      <a16:colId xmlns="" xmlns:a16="http://schemas.microsoft.com/office/drawing/2014/main" val="2011313899"/>
                     </a:ext>
                   </a:extLst>
                 </a:gridCol>
@@ -5448,7 +5519,7 @@
                 </a:tc>
                 <a:extLst>
                   <a:ext uri="{0D108BD9-81ED-4DB2-BD59-A6C34878D82A}">
-                    <a16:rowId xmlns:a16="http://schemas.microsoft.com/office/drawing/2014/main" xmlns="" val="1789177411"/>
+                    <a16:rowId xmlns="" xmlns:a16="http://schemas.microsoft.com/office/drawing/2014/main" val="1789177411"/>
                   </a:ext>
                 </a:extLst>
               </a:tr>
@@ -5490,14 +5561,7 @@
                           <a:latin typeface="Segoe UI Light" panose="020B0502040204020203" pitchFamily="34" charset="0"/>
                           <a:cs typeface="Segoe UI Light" panose="020B0502040204020203" pitchFamily="34" charset="0"/>
                         </a:rPr>
-                        <a:t>04 </a:t>
-                      </a:r>
-                      <a:r>
-                        <a:rPr lang="en-US" sz="2400" dirty="0" smtClean="0">
-                          <a:latin typeface="Segoe UI Light" panose="020B0502040204020203" pitchFamily="34" charset="0"/>
-                          <a:cs typeface="Segoe UI Light" panose="020B0502040204020203" pitchFamily="34" charset="0"/>
-                        </a:rPr>
-                        <a:t>| Integrating</a:t>
+                        <a:t>04 | Integrating</a:t>
                       </a:r>
                       <a:r>
                         <a:rPr lang="en-US" sz="2400" baseline="0" dirty="0" smtClean="0">
@@ -5523,7 +5587,7 @@
                 </a:tc>
                 <a:extLst>
                   <a:ext uri="{0D108BD9-81ED-4DB2-BD59-A6C34878D82A}">
-                    <a16:rowId xmlns:a16="http://schemas.microsoft.com/office/drawing/2014/main" xmlns="" val="3842815335"/>
+                    <a16:rowId xmlns="" xmlns:a16="http://schemas.microsoft.com/office/drawing/2014/main" val="3842815335"/>
                   </a:ext>
                 </a:extLst>
               </a:tr>
@@ -5565,14 +5629,7 @@
                           <a:latin typeface="Segoe UI Light" panose="020B0502040204020203" pitchFamily="34" charset="0"/>
                           <a:cs typeface="Segoe UI Light" panose="020B0502040204020203" pitchFamily="34" charset="0"/>
                         </a:rPr>
-                        <a:t>05 </a:t>
-                      </a:r>
-                      <a:r>
-                        <a:rPr lang="en-US" sz="2400" dirty="0" smtClean="0">
-                          <a:latin typeface="Segoe UI Light" panose="020B0502040204020203" pitchFamily="34" charset="0"/>
-                          <a:cs typeface="Segoe UI Light" panose="020B0502040204020203" pitchFamily="34" charset="0"/>
-                        </a:rPr>
-                        <a:t>|  Tying things together</a:t>
+                        <a:t>05 |  Tying things together</a:t>
                       </a:r>
                       <a:endParaRPr lang="en-US" sz="2400" dirty="0">
                         <a:latin typeface="Segoe UI Light" panose="020B0502040204020203" pitchFamily="34" charset="0"/>
@@ -5584,7 +5641,7 @@
                 </a:tc>
                 <a:extLst>
                   <a:ext uri="{0D108BD9-81ED-4DB2-BD59-A6C34878D82A}">
-                    <a16:rowId xmlns:a16="http://schemas.microsoft.com/office/drawing/2014/main" xmlns="" val="321066646"/>
+                    <a16:rowId xmlns="" xmlns:a16="http://schemas.microsoft.com/office/drawing/2014/main" val="321066646"/>
                   </a:ext>
                 </a:extLst>
               </a:tr>
@@ -5679,7 +5736,7 @@
                 </a:tc>
                 <a:extLst>
                   <a:ext uri="{0D108BD9-81ED-4DB2-BD59-A6C34878D82A}">
-                    <a16:rowId xmlns:a16="http://schemas.microsoft.com/office/drawing/2014/main" xmlns="" val="3812060533"/>
+                    <a16:rowId xmlns="" xmlns:a16="http://schemas.microsoft.com/office/drawing/2014/main" val="3812060533"/>
                   </a:ext>
                 </a:extLst>
               </a:tr>
@@ -6864,7 +6921,7 @@
   <a:extraClrSchemeLst/>
   <a:extLst>
     <a:ext uri="{05A4C25C-085E-4340-85A3-A5531E510DB2}">
-      <thm15:themeFamily xmlns="" xmlns:thm15="http://schemas.microsoft.com/office/thememl/2012/main" name="Office Theme" id="{62F939B6-93AF-4DB8-9C6B-D6C7DFDC589F}" vid="{4A3C46E8-61CC-4603-A589-7422A47A8E4A}"/>
+      <thm15:themeFamily xmlns:thm15="http://schemas.microsoft.com/office/thememl/2012/main" xmlns="" name="Office Theme" id="{62F939B6-93AF-4DB8-9C6B-D6C7DFDC589F}" vid="{4A3C46E8-61CC-4603-A589-7422A47A8E4A}"/>
     </a:ext>
   </a:extLst>
 </a:theme>
@@ -7125,7 +7182,7 @@
   <a:extraClrSchemeLst/>
   <a:extLst>
     <a:ext uri="{05A4C25C-085E-4340-85A3-A5531E510DB2}">
-      <thm15:themeFamily xmlns="" xmlns:thm15="http://schemas.microsoft.com/office/thememl/2012/main" name="Office Theme" id="{62F939B6-93AF-4DB8-9C6B-D6C7DFDC589F}" vid="{4A3C46E8-61CC-4603-A589-7422A47A8E4A}"/>
+      <thm15:themeFamily xmlns:thm15="http://schemas.microsoft.com/office/thememl/2012/main" xmlns="" name="Office Theme" id="{62F939B6-93AF-4DB8-9C6B-D6C7DFDC589F}" vid="{4A3C46E8-61CC-4603-A589-7422A47A8E4A}"/>
     </a:ext>
   </a:extLst>
 </a:theme>
